--- a/DL_final_team7_v1.1.pptx
+++ b/DL_final_team7_v1.1.pptx
@@ -9,11 +9,13 @@
     <p:sldId id="256" r:id="rId3"/>
     <p:sldId id="261" r:id="rId4"/>
     <p:sldId id="264" r:id="rId5"/>
-    <p:sldId id="262" r:id="rId6"/>
-    <p:sldId id="267" r:id="rId7"/>
+    <p:sldId id="267" r:id="rId6"/>
+    <p:sldId id="262" r:id="rId7"/>
     <p:sldId id="265" r:id="rId8"/>
-    <p:sldId id="263" r:id="rId9"/>
-    <p:sldId id="266" r:id="rId10"/>
+    <p:sldId id="268" r:id="rId9"/>
+    <p:sldId id="263" r:id="rId10"/>
+    <p:sldId id="266" r:id="rId11"/>
+    <p:sldId id="269" r:id="rId12"/>
   </p:sldIdLst>
   <p:sldSz cx="12192000" cy="6858000"/>
   <p:notesSz cx="6858000" cy="9144000"/>
@@ -698,7 +700,7 @@
           </a:lstStyle>
           <a:p>
             <a:r>
-              <a:rPr lang="zh-TW" altLang="en-US" smtClean="0"/>
+              <a:rPr lang="zh-TW" altLang="en-US"/>
               <a:t>按一下以編輯母片標題樣式</a:t>
             </a:r>
             <a:endParaRPr lang="en-US" dirty="0"/>
@@ -818,7 +820,7 @@
           </a:lstStyle>
           <a:p>
             <a:r>
-              <a:rPr lang="zh-TW" altLang="en-US" smtClean="0"/>
+              <a:rPr lang="zh-TW" altLang="en-US"/>
               <a:t>按一下以編輯母片副標題樣式</a:t>
             </a:r>
             <a:endParaRPr lang="en-US" dirty="0"/>
@@ -842,7 +844,7 @@
           <a:p>
             <a:fld id="{A7067665-FDAF-41EE-B1D0-0CBDA26A1703}" type="datetimeFigureOut">
               <a:rPr lang="zh-TW" altLang="en-US" smtClean="0"/>
-              <a:t>2019/1/7</a:t>
+              <a:t>2019/1/10</a:t>
             </a:fld>
             <a:endParaRPr lang="zh-TW" altLang="en-US"/>
           </a:p>
@@ -947,7 +949,7 @@
           </a:lstStyle>
           <a:p>
             <a:r>
-              <a:rPr lang="zh-TW" altLang="en-US" smtClean="0"/>
+              <a:rPr lang="zh-TW" altLang="en-US"/>
               <a:t>按一下以編輯母片標題樣式</a:t>
             </a:r>
             <a:endParaRPr lang="en-US" dirty="0"/>
@@ -1070,7 +1072,7 @@
           <a:p>
             <a:pPr lvl="0"/>
             <a:r>
-              <a:rPr lang="zh-TW" altLang="en-US" smtClean="0"/>
+              <a:rPr lang="zh-TW" altLang="en-US"/>
               <a:t>編輯母片文字樣式</a:t>
             </a:r>
           </a:p>
@@ -1093,7 +1095,7 @@
           <a:p>
             <a:fld id="{A7067665-FDAF-41EE-B1D0-0CBDA26A1703}" type="datetimeFigureOut">
               <a:rPr lang="zh-TW" altLang="en-US" smtClean="0"/>
-              <a:t>2019/1/7</a:t>
+              <a:t>2019/1/10</a:t>
             </a:fld>
             <a:endParaRPr lang="zh-TW" altLang="en-US"/>
           </a:p>
@@ -1198,7 +1200,7 @@
           </a:lstStyle>
           <a:p>
             <a:r>
-              <a:rPr lang="zh-TW" altLang="en-US" smtClean="0"/>
+              <a:rPr lang="zh-TW" altLang="en-US"/>
               <a:t>按一下以編輯母片標題樣式</a:t>
             </a:r>
             <a:endParaRPr lang="en-US" dirty="0"/>
@@ -1262,7 +1264,7 @@
           <a:p>
             <a:pPr lvl="0"/>
             <a:r>
-              <a:rPr lang="zh-TW" altLang="en-US" smtClean="0"/>
+              <a:rPr lang="zh-TW" altLang="en-US"/>
               <a:t>編輯母片文字樣式</a:t>
             </a:r>
           </a:p>
@@ -1384,7 +1386,7 @@
           <a:p>
             <a:pPr lvl="0"/>
             <a:r>
-              <a:rPr lang="zh-TW" altLang="en-US" smtClean="0"/>
+              <a:rPr lang="zh-TW" altLang="en-US"/>
               <a:t>編輯母片文字樣式</a:t>
             </a:r>
           </a:p>
@@ -1407,7 +1409,7 @@
           <a:p>
             <a:fld id="{A7067665-FDAF-41EE-B1D0-0CBDA26A1703}" type="datetimeFigureOut">
               <a:rPr lang="zh-TW" altLang="en-US" smtClean="0"/>
-              <a:t>2019/1/7</a:t>
+              <a:t>2019/1/10</a:t>
             </a:fld>
             <a:endParaRPr lang="zh-TW" altLang="en-US"/>
           </a:p>
@@ -1602,7 +1604,7 @@
           </a:lstStyle>
           <a:p>
             <a:r>
-              <a:rPr lang="zh-TW" altLang="en-US" smtClean="0"/>
+              <a:rPr lang="zh-TW" altLang="en-US"/>
               <a:t>按一下以編輯母片標題樣式</a:t>
             </a:r>
             <a:endParaRPr lang="en-US" dirty="0"/>
@@ -1725,7 +1727,7 @@
           <a:p>
             <a:pPr lvl="0"/>
             <a:r>
-              <a:rPr lang="zh-TW" altLang="en-US" smtClean="0"/>
+              <a:rPr lang="zh-TW" altLang="en-US"/>
               <a:t>編輯母片文字樣式</a:t>
             </a:r>
           </a:p>
@@ -1748,7 +1750,7 @@
           <a:p>
             <a:fld id="{A7067665-FDAF-41EE-B1D0-0CBDA26A1703}" type="datetimeFigureOut">
               <a:rPr lang="zh-TW" altLang="en-US" smtClean="0"/>
-              <a:t>2019/1/7</a:t>
+              <a:t>2019/1/10</a:t>
             </a:fld>
             <a:endParaRPr lang="zh-TW" altLang="en-US"/>
           </a:p>
@@ -1853,7 +1855,7 @@
           </a:lstStyle>
           <a:p>
             <a:r>
-              <a:rPr lang="zh-TW" altLang="en-US" smtClean="0"/>
+              <a:rPr lang="zh-TW" altLang="en-US"/>
               <a:t>按一下以編輯母片標題樣式</a:t>
             </a:r>
             <a:endParaRPr lang="en-US" dirty="0"/>
@@ -1917,7 +1919,7 @@
           <a:p>
             <a:pPr lvl="0"/>
             <a:r>
-              <a:rPr lang="zh-TW" altLang="en-US" smtClean="0"/>
+              <a:rPr lang="zh-TW" altLang="en-US"/>
               <a:t>編輯母片文字樣式</a:t>
             </a:r>
           </a:p>
@@ -2039,7 +2041,7 @@
           <a:p>
             <a:pPr lvl="0"/>
             <a:r>
-              <a:rPr lang="zh-TW" altLang="en-US" smtClean="0"/>
+              <a:rPr lang="zh-TW" altLang="en-US"/>
               <a:t>編輯母片文字樣式</a:t>
             </a:r>
           </a:p>
@@ -2062,7 +2064,7 @@
           <a:p>
             <a:fld id="{A7067665-FDAF-41EE-B1D0-0CBDA26A1703}" type="datetimeFigureOut">
               <a:rPr lang="zh-TW" altLang="en-US" smtClean="0"/>
-              <a:t>2019/1/7</a:t>
+              <a:t>2019/1/10</a:t>
             </a:fld>
             <a:endParaRPr lang="zh-TW" altLang="en-US"/>
           </a:p>
@@ -2249,7 +2251,7 @@
           </a:lstStyle>
           <a:p>
             <a:r>
-              <a:rPr lang="zh-TW" altLang="en-US" smtClean="0"/>
+              <a:rPr lang="zh-TW" altLang="en-US"/>
               <a:t>按一下以編輯母片標題樣式</a:t>
             </a:r>
             <a:endParaRPr lang="en-US" dirty="0"/>
@@ -2310,7 +2312,7 @@
           <a:p>
             <a:pPr lvl="0"/>
             <a:r>
-              <a:rPr lang="zh-TW" altLang="en-US" smtClean="0"/>
+              <a:rPr lang="zh-TW" altLang="en-US"/>
               <a:t>編輯母片文字樣式</a:t>
             </a:r>
           </a:p>
@@ -2432,7 +2434,7 @@
           <a:p>
             <a:pPr lvl="0"/>
             <a:r>
-              <a:rPr lang="zh-TW" altLang="en-US" smtClean="0"/>
+              <a:rPr lang="zh-TW" altLang="en-US"/>
               <a:t>編輯母片文字樣式</a:t>
             </a:r>
           </a:p>
@@ -2455,7 +2457,7 @@
           <a:p>
             <a:fld id="{A7067665-FDAF-41EE-B1D0-0CBDA26A1703}" type="datetimeFigureOut">
               <a:rPr lang="zh-TW" altLang="en-US" smtClean="0"/>
-              <a:t>2019/1/7</a:t>
+              <a:t>2019/1/10</a:t>
             </a:fld>
             <a:endParaRPr lang="zh-TW" altLang="en-US"/>
           </a:p>
@@ -2549,7 +2551,7 @@
           <a:lstStyle/>
           <a:p>
             <a:r>
-              <a:rPr lang="zh-TW" altLang="en-US" smtClean="0"/>
+              <a:rPr lang="zh-TW" altLang="en-US"/>
               <a:t>按一下以編輯母片標題樣式</a:t>
             </a:r>
             <a:endParaRPr lang="en-US" dirty="0"/>
@@ -2573,35 +2575,35 @@
           <a:p>
             <a:pPr lvl="0"/>
             <a:r>
-              <a:rPr lang="zh-TW" altLang="en-US" smtClean="0"/>
+              <a:rPr lang="zh-TW" altLang="en-US"/>
               <a:t>編輯母片文字樣式</a:t>
             </a:r>
           </a:p>
           <a:p>
             <a:pPr lvl="1"/>
             <a:r>
-              <a:rPr lang="zh-TW" altLang="en-US" smtClean="0"/>
+              <a:rPr lang="zh-TW" altLang="en-US"/>
               <a:t>第二層</a:t>
             </a:r>
           </a:p>
           <a:p>
             <a:pPr lvl="2"/>
             <a:r>
-              <a:rPr lang="zh-TW" altLang="en-US" smtClean="0"/>
+              <a:rPr lang="zh-TW" altLang="en-US"/>
               <a:t>第三層</a:t>
             </a:r>
           </a:p>
           <a:p>
             <a:pPr lvl="3"/>
             <a:r>
-              <a:rPr lang="zh-TW" altLang="en-US" smtClean="0"/>
+              <a:rPr lang="zh-TW" altLang="en-US"/>
               <a:t>第四層</a:t>
             </a:r>
           </a:p>
           <a:p>
             <a:pPr lvl="4"/>
             <a:r>
-              <a:rPr lang="zh-TW" altLang="en-US" smtClean="0"/>
+              <a:rPr lang="zh-TW" altLang="en-US"/>
               <a:t>第五層</a:t>
             </a:r>
             <a:endParaRPr lang="en-US" dirty="0"/>
@@ -2625,7 +2627,7 @@
           <a:p>
             <a:fld id="{A7067665-FDAF-41EE-B1D0-0CBDA26A1703}" type="datetimeFigureOut">
               <a:rPr lang="zh-TW" altLang="en-US" smtClean="0"/>
-              <a:t>2019/1/7</a:t>
+              <a:t>2019/1/10</a:t>
             </a:fld>
             <a:endParaRPr lang="zh-TW" altLang="en-US"/>
           </a:p>
@@ -2724,7 +2726,7 @@
           <a:lstStyle/>
           <a:p>
             <a:r>
-              <a:rPr lang="zh-TW" altLang="en-US" smtClean="0"/>
+              <a:rPr lang="zh-TW" altLang="en-US"/>
               <a:t>按一下以編輯母片標題樣式</a:t>
             </a:r>
             <a:endParaRPr lang="en-US" dirty="0"/>
@@ -2753,35 +2755,35 @@
           <a:p>
             <a:pPr lvl="0"/>
             <a:r>
-              <a:rPr lang="zh-TW" altLang="en-US" smtClean="0"/>
+              <a:rPr lang="zh-TW" altLang="en-US"/>
               <a:t>編輯母片文字樣式</a:t>
             </a:r>
           </a:p>
           <a:p>
             <a:pPr lvl="1"/>
             <a:r>
-              <a:rPr lang="zh-TW" altLang="en-US" smtClean="0"/>
+              <a:rPr lang="zh-TW" altLang="en-US"/>
               <a:t>第二層</a:t>
             </a:r>
           </a:p>
           <a:p>
             <a:pPr lvl="2"/>
             <a:r>
-              <a:rPr lang="zh-TW" altLang="en-US" smtClean="0"/>
+              <a:rPr lang="zh-TW" altLang="en-US"/>
               <a:t>第三層</a:t>
             </a:r>
           </a:p>
           <a:p>
             <a:pPr lvl="3"/>
             <a:r>
-              <a:rPr lang="zh-TW" altLang="en-US" smtClean="0"/>
+              <a:rPr lang="zh-TW" altLang="en-US"/>
               <a:t>第四層</a:t>
             </a:r>
           </a:p>
           <a:p>
             <a:pPr lvl="4"/>
             <a:r>
-              <a:rPr lang="zh-TW" altLang="en-US" smtClean="0"/>
+              <a:rPr lang="zh-TW" altLang="en-US"/>
               <a:t>第五層</a:t>
             </a:r>
             <a:endParaRPr lang="en-US" dirty="0"/>
@@ -2805,7 +2807,7 @@
           <a:p>
             <a:fld id="{A7067665-FDAF-41EE-B1D0-0CBDA26A1703}" type="datetimeFigureOut">
               <a:rPr lang="zh-TW" altLang="en-US" smtClean="0"/>
-              <a:t>2019/1/7</a:t>
+              <a:t>2019/1/10</a:t>
             </a:fld>
             <a:endParaRPr lang="zh-TW" altLang="en-US"/>
           </a:p>
@@ -2905,7 +2907,7 @@
           </a:lstStyle>
           <a:p>
             <a:r>
-              <a:rPr lang="zh-TW" altLang="en-US" smtClean="0"/>
+              <a:rPr lang="zh-TW" altLang="en-US"/>
               <a:t>按一下以編輯母片標題樣式</a:t>
             </a:r>
             <a:endParaRPr lang="en-US" dirty="0"/>
@@ -2929,35 +2931,35 @@
           <a:p>
             <a:pPr lvl="0"/>
             <a:r>
-              <a:rPr lang="zh-TW" altLang="en-US" smtClean="0"/>
+              <a:rPr lang="zh-TW" altLang="en-US"/>
               <a:t>編輯母片文字樣式</a:t>
             </a:r>
           </a:p>
           <a:p>
             <a:pPr lvl="1"/>
             <a:r>
-              <a:rPr lang="zh-TW" altLang="en-US" smtClean="0"/>
+              <a:rPr lang="zh-TW" altLang="en-US"/>
               <a:t>第二層</a:t>
             </a:r>
           </a:p>
           <a:p>
             <a:pPr lvl="2"/>
             <a:r>
-              <a:rPr lang="zh-TW" altLang="en-US" smtClean="0"/>
+              <a:rPr lang="zh-TW" altLang="en-US"/>
               <a:t>第三層</a:t>
             </a:r>
           </a:p>
           <a:p>
             <a:pPr lvl="3"/>
             <a:r>
-              <a:rPr lang="zh-TW" altLang="en-US" smtClean="0"/>
+              <a:rPr lang="zh-TW" altLang="en-US"/>
               <a:t>第四層</a:t>
             </a:r>
           </a:p>
           <a:p>
             <a:pPr lvl="4"/>
             <a:r>
-              <a:rPr lang="zh-TW" altLang="en-US" smtClean="0"/>
+              <a:rPr lang="zh-TW" altLang="en-US"/>
               <a:t>第五層</a:t>
             </a:r>
             <a:endParaRPr lang="en-US" dirty="0"/>
@@ -2981,7 +2983,7 @@
           <a:p>
             <a:fld id="{A7067665-FDAF-41EE-B1D0-0CBDA26A1703}" type="datetimeFigureOut">
               <a:rPr lang="zh-TW" altLang="en-US" smtClean="0"/>
-              <a:t>2019/1/7</a:t>
+              <a:t>2019/1/10</a:t>
             </a:fld>
             <a:endParaRPr lang="zh-TW" altLang="en-US"/>
           </a:p>
@@ -3084,7 +3086,7 @@
           </a:lstStyle>
           <a:p>
             <a:r>
-              <a:rPr lang="zh-TW" altLang="en-US" smtClean="0"/>
+              <a:rPr lang="zh-TW" altLang="en-US"/>
               <a:t>按一下以編輯母片標題樣式</a:t>
             </a:r>
             <a:endParaRPr lang="en-US" dirty="0"/>
@@ -3205,7 +3207,7 @@
           <a:p>
             <a:pPr lvl="0"/>
             <a:r>
-              <a:rPr lang="zh-TW" altLang="en-US" smtClean="0"/>
+              <a:rPr lang="zh-TW" altLang="en-US"/>
               <a:t>編輯母片文字樣式</a:t>
             </a:r>
           </a:p>
@@ -3228,7 +3230,7 @@
           <a:p>
             <a:fld id="{A7067665-FDAF-41EE-B1D0-0CBDA26A1703}" type="datetimeFigureOut">
               <a:rPr lang="zh-TW" altLang="en-US" smtClean="0"/>
-              <a:t>2019/1/7</a:t>
+              <a:t>2019/1/10</a:t>
             </a:fld>
             <a:endParaRPr lang="zh-TW" altLang="en-US"/>
           </a:p>
@@ -3322,7 +3324,7 @@
           <a:lstStyle/>
           <a:p>
             <a:r>
-              <a:rPr lang="zh-TW" altLang="en-US" smtClean="0"/>
+              <a:rPr lang="zh-TW" altLang="en-US"/>
               <a:t>按一下以編輯母片標題樣式</a:t>
             </a:r>
             <a:endParaRPr lang="en-US" dirty="0"/>
@@ -3351,35 +3353,35 @@
           <a:p>
             <a:pPr lvl="0"/>
             <a:r>
-              <a:rPr lang="zh-TW" altLang="en-US" smtClean="0"/>
+              <a:rPr lang="zh-TW" altLang="en-US"/>
               <a:t>編輯母片文字樣式</a:t>
             </a:r>
           </a:p>
           <a:p>
             <a:pPr lvl="1"/>
             <a:r>
-              <a:rPr lang="zh-TW" altLang="en-US" smtClean="0"/>
+              <a:rPr lang="zh-TW" altLang="en-US"/>
               <a:t>第二層</a:t>
             </a:r>
           </a:p>
           <a:p>
             <a:pPr lvl="2"/>
             <a:r>
-              <a:rPr lang="zh-TW" altLang="en-US" smtClean="0"/>
+              <a:rPr lang="zh-TW" altLang="en-US"/>
               <a:t>第三層</a:t>
             </a:r>
           </a:p>
           <a:p>
             <a:pPr lvl="3"/>
             <a:r>
-              <a:rPr lang="zh-TW" altLang="en-US" smtClean="0"/>
+              <a:rPr lang="zh-TW" altLang="en-US"/>
               <a:t>第四層</a:t>
             </a:r>
           </a:p>
           <a:p>
             <a:pPr lvl="4"/>
             <a:r>
-              <a:rPr lang="zh-TW" altLang="en-US" smtClean="0"/>
+              <a:rPr lang="zh-TW" altLang="en-US"/>
               <a:t>第五層</a:t>
             </a:r>
             <a:endParaRPr lang="en-US" dirty="0"/>
@@ -3408,35 +3410,35 @@
           <a:p>
             <a:pPr lvl="0"/>
             <a:r>
-              <a:rPr lang="zh-TW" altLang="en-US" smtClean="0"/>
+              <a:rPr lang="zh-TW" altLang="en-US"/>
               <a:t>編輯母片文字樣式</a:t>
             </a:r>
           </a:p>
           <a:p>
             <a:pPr lvl="1"/>
             <a:r>
-              <a:rPr lang="zh-TW" altLang="en-US" smtClean="0"/>
+              <a:rPr lang="zh-TW" altLang="en-US"/>
               <a:t>第二層</a:t>
             </a:r>
           </a:p>
           <a:p>
             <a:pPr lvl="2"/>
             <a:r>
-              <a:rPr lang="zh-TW" altLang="en-US" smtClean="0"/>
+              <a:rPr lang="zh-TW" altLang="en-US"/>
               <a:t>第三層</a:t>
             </a:r>
           </a:p>
           <a:p>
             <a:pPr lvl="3"/>
             <a:r>
-              <a:rPr lang="zh-TW" altLang="en-US" smtClean="0"/>
+              <a:rPr lang="zh-TW" altLang="en-US"/>
               <a:t>第四層</a:t>
             </a:r>
           </a:p>
           <a:p>
             <a:pPr lvl="4"/>
             <a:r>
-              <a:rPr lang="zh-TW" altLang="en-US" smtClean="0"/>
+              <a:rPr lang="zh-TW" altLang="en-US"/>
               <a:t>第五層</a:t>
             </a:r>
             <a:endParaRPr lang="en-US" dirty="0"/>
@@ -3460,7 +3462,7 @@
           <a:p>
             <a:fld id="{A7067665-FDAF-41EE-B1D0-0CBDA26A1703}" type="datetimeFigureOut">
               <a:rPr lang="zh-TW" altLang="en-US" smtClean="0"/>
-              <a:t>2019/1/7</a:t>
+              <a:t>2019/1/10</a:t>
             </a:fld>
             <a:endParaRPr lang="zh-TW" altLang="en-US"/>
           </a:p>
@@ -3558,7 +3560,7 @@
           </a:lstStyle>
           <a:p>
             <a:r>
-              <a:rPr lang="zh-TW" altLang="en-US" smtClean="0"/>
+              <a:rPr lang="zh-TW" altLang="en-US"/>
               <a:t>按一下以編輯母片標題樣式</a:t>
             </a:r>
             <a:endParaRPr lang="en-US" dirty="0"/>
@@ -3626,7 +3628,7 @@
           <a:p>
             <a:pPr lvl="0"/>
             <a:r>
-              <a:rPr lang="zh-TW" altLang="en-US" smtClean="0"/>
+              <a:rPr lang="zh-TW" altLang="en-US"/>
               <a:t>編輯母片文字樣式</a:t>
             </a:r>
           </a:p>
@@ -3656,35 +3658,35 @@
           <a:p>
             <a:pPr lvl="0"/>
             <a:r>
-              <a:rPr lang="zh-TW" altLang="en-US" smtClean="0"/>
+              <a:rPr lang="zh-TW" altLang="en-US"/>
               <a:t>編輯母片文字樣式</a:t>
             </a:r>
           </a:p>
           <a:p>
             <a:pPr lvl="1"/>
             <a:r>
-              <a:rPr lang="zh-TW" altLang="en-US" smtClean="0"/>
+              <a:rPr lang="zh-TW" altLang="en-US"/>
               <a:t>第二層</a:t>
             </a:r>
           </a:p>
           <a:p>
             <a:pPr lvl="2"/>
             <a:r>
-              <a:rPr lang="zh-TW" altLang="en-US" smtClean="0"/>
+              <a:rPr lang="zh-TW" altLang="en-US"/>
               <a:t>第三層</a:t>
             </a:r>
           </a:p>
           <a:p>
             <a:pPr lvl="3"/>
             <a:r>
-              <a:rPr lang="zh-TW" altLang="en-US" smtClean="0"/>
+              <a:rPr lang="zh-TW" altLang="en-US"/>
               <a:t>第四層</a:t>
             </a:r>
           </a:p>
           <a:p>
             <a:pPr lvl="4"/>
             <a:r>
-              <a:rPr lang="zh-TW" altLang="en-US" smtClean="0"/>
+              <a:rPr lang="zh-TW" altLang="en-US"/>
               <a:t>第五層</a:t>
             </a:r>
             <a:endParaRPr lang="en-US" dirty="0"/>
@@ -3752,7 +3754,7 @@
           <a:p>
             <a:pPr lvl="0"/>
             <a:r>
-              <a:rPr lang="zh-TW" altLang="en-US" smtClean="0"/>
+              <a:rPr lang="zh-TW" altLang="en-US"/>
               <a:t>編輯母片文字樣式</a:t>
             </a:r>
           </a:p>
@@ -3782,35 +3784,35 @@
           <a:p>
             <a:pPr lvl="0"/>
             <a:r>
-              <a:rPr lang="zh-TW" altLang="en-US" smtClean="0"/>
+              <a:rPr lang="zh-TW" altLang="en-US"/>
               <a:t>編輯母片文字樣式</a:t>
             </a:r>
           </a:p>
           <a:p>
             <a:pPr lvl="1"/>
             <a:r>
-              <a:rPr lang="zh-TW" altLang="en-US" smtClean="0"/>
+              <a:rPr lang="zh-TW" altLang="en-US"/>
               <a:t>第二層</a:t>
             </a:r>
           </a:p>
           <a:p>
             <a:pPr lvl="2"/>
             <a:r>
-              <a:rPr lang="zh-TW" altLang="en-US" smtClean="0"/>
+              <a:rPr lang="zh-TW" altLang="en-US"/>
               <a:t>第三層</a:t>
             </a:r>
           </a:p>
           <a:p>
             <a:pPr lvl="3"/>
             <a:r>
-              <a:rPr lang="zh-TW" altLang="en-US" smtClean="0"/>
+              <a:rPr lang="zh-TW" altLang="en-US"/>
               <a:t>第四層</a:t>
             </a:r>
           </a:p>
           <a:p>
             <a:pPr lvl="4"/>
             <a:r>
-              <a:rPr lang="zh-TW" altLang="en-US" smtClean="0"/>
+              <a:rPr lang="zh-TW" altLang="en-US"/>
               <a:t>第五層</a:t>
             </a:r>
             <a:endParaRPr lang="en-US" dirty="0"/>
@@ -3834,7 +3836,7 @@
           <a:p>
             <a:fld id="{A7067665-FDAF-41EE-B1D0-0CBDA26A1703}" type="datetimeFigureOut">
               <a:rPr lang="zh-TW" altLang="en-US" smtClean="0"/>
-              <a:t>2019/1/7</a:t>
+              <a:t>2019/1/10</a:t>
             </a:fld>
             <a:endParaRPr lang="zh-TW" altLang="en-US"/>
           </a:p>
@@ -3933,7 +3935,7 @@
           <a:lstStyle/>
           <a:p>
             <a:r>
-              <a:rPr lang="zh-TW" altLang="en-US" smtClean="0"/>
+              <a:rPr lang="zh-TW" altLang="en-US"/>
               <a:t>按一下以編輯母片標題樣式</a:t>
             </a:r>
             <a:endParaRPr lang="en-US" dirty="0"/>
@@ -3957,7 +3959,7 @@
           <a:p>
             <a:fld id="{A7067665-FDAF-41EE-B1D0-0CBDA26A1703}" type="datetimeFigureOut">
               <a:rPr lang="zh-TW" altLang="en-US" smtClean="0"/>
-              <a:t>2019/1/7</a:t>
+              <a:t>2019/1/10</a:t>
             </a:fld>
             <a:endParaRPr lang="zh-TW" altLang="en-US"/>
           </a:p>
@@ -4052,7 +4054,7 @@
           <a:p>
             <a:fld id="{A7067665-FDAF-41EE-B1D0-0CBDA26A1703}" type="datetimeFigureOut">
               <a:rPr lang="zh-TW" altLang="en-US" smtClean="0"/>
-              <a:t>2019/1/7</a:t>
+              <a:t>2019/1/10</a:t>
             </a:fld>
             <a:endParaRPr lang="zh-TW" altLang="en-US"/>
           </a:p>
@@ -4157,7 +4159,7 @@
           </a:lstStyle>
           <a:p>
             <a:r>
-              <a:rPr lang="zh-TW" altLang="en-US" smtClean="0"/>
+              <a:rPr lang="zh-TW" altLang="en-US"/>
               <a:t>按一下以編輯母片標題樣式</a:t>
             </a:r>
             <a:endParaRPr lang="en-US" dirty="0"/>
@@ -4188,35 +4190,35 @@
           <a:p>
             <a:pPr lvl="0"/>
             <a:r>
-              <a:rPr lang="zh-TW" altLang="en-US" smtClean="0"/>
+              <a:rPr lang="zh-TW" altLang="en-US"/>
               <a:t>編輯母片文字樣式</a:t>
             </a:r>
           </a:p>
           <a:p>
             <a:pPr lvl="1"/>
             <a:r>
-              <a:rPr lang="zh-TW" altLang="en-US" smtClean="0"/>
+              <a:rPr lang="zh-TW" altLang="en-US"/>
               <a:t>第二層</a:t>
             </a:r>
           </a:p>
           <a:p>
             <a:pPr lvl="2"/>
             <a:r>
-              <a:rPr lang="zh-TW" altLang="en-US" smtClean="0"/>
+              <a:rPr lang="zh-TW" altLang="en-US"/>
               <a:t>第三層</a:t>
             </a:r>
           </a:p>
           <a:p>
             <a:pPr lvl="3"/>
             <a:r>
-              <a:rPr lang="zh-TW" altLang="en-US" smtClean="0"/>
+              <a:rPr lang="zh-TW" altLang="en-US"/>
               <a:t>第四層</a:t>
             </a:r>
           </a:p>
           <a:p>
             <a:pPr lvl="4"/>
             <a:r>
-              <a:rPr lang="zh-TW" altLang="en-US" smtClean="0"/>
+              <a:rPr lang="zh-TW" altLang="en-US"/>
               <a:t>第五層</a:t>
             </a:r>
             <a:endParaRPr lang="en-US" dirty="0"/>
@@ -4284,7 +4286,7 @@
           <a:p>
             <a:pPr lvl="0"/>
             <a:r>
-              <a:rPr lang="zh-TW" altLang="en-US" smtClean="0"/>
+              <a:rPr lang="zh-TW" altLang="en-US"/>
               <a:t>編輯母片文字樣式</a:t>
             </a:r>
           </a:p>
@@ -4307,7 +4309,7 @@
           <a:p>
             <a:fld id="{A7067665-FDAF-41EE-B1D0-0CBDA26A1703}" type="datetimeFigureOut">
               <a:rPr lang="zh-TW" altLang="en-US" smtClean="0"/>
-              <a:t>2019/1/7</a:t>
+              <a:t>2019/1/10</a:t>
             </a:fld>
             <a:endParaRPr lang="zh-TW" altLang="en-US"/>
           </a:p>
@@ -4412,7 +4414,7 @@
           </a:lstStyle>
           <a:p>
             <a:r>
-              <a:rPr lang="zh-TW" altLang="en-US" smtClean="0"/>
+              <a:rPr lang="zh-TW" altLang="en-US"/>
               <a:t>按一下以編輯母片標題樣式</a:t>
             </a:r>
             <a:endParaRPr lang="en-US" dirty="0"/>
@@ -4479,7 +4481,7 @@
           </a:lstStyle>
           <a:p>
             <a:r>
-              <a:rPr lang="zh-TW" altLang="en-US" smtClean="0"/>
+              <a:rPr lang="zh-TW" altLang="en-US"/>
               <a:t>按一下圖示以新增圖片</a:t>
             </a:r>
             <a:endParaRPr lang="en-US" dirty="0"/>
@@ -4547,7 +4549,7 @@
           <a:p>
             <a:pPr lvl="0"/>
             <a:r>
-              <a:rPr lang="zh-TW" altLang="en-US" smtClean="0"/>
+              <a:rPr lang="zh-TW" altLang="en-US"/>
               <a:t>編輯母片文字樣式</a:t>
             </a:r>
           </a:p>
@@ -4570,7 +4572,7 @@
           <a:p>
             <a:fld id="{A7067665-FDAF-41EE-B1D0-0CBDA26A1703}" type="datetimeFigureOut">
               <a:rPr lang="zh-TW" altLang="en-US" smtClean="0"/>
-              <a:t>2019/1/7</a:t>
+              <a:t>2019/1/10</a:t>
             </a:fld>
             <a:endParaRPr lang="zh-TW" altLang="en-US"/>
           </a:p>
@@ -5209,7 +5211,7 @@
           <a:lstStyle/>
           <a:p>
             <a:r>
-              <a:rPr lang="zh-TW" altLang="en-US" smtClean="0"/>
+              <a:rPr lang="zh-TW" altLang="en-US"/>
               <a:t>按一下以編輯母片標題樣式</a:t>
             </a:r>
             <a:endParaRPr lang="en-US" dirty="0"/>
@@ -5243,35 +5245,35 @@
           <a:p>
             <a:pPr lvl="0"/>
             <a:r>
-              <a:rPr lang="zh-TW" altLang="en-US" smtClean="0"/>
+              <a:rPr lang="zh-TW" altLang="en-US"/>
               <a:t>編輯母片文字樣式</a:t>
             </a:r>
           </a:p>
           <a:p>
             <a:pPr lvl="1"/>
             <a:r>
-              <a:rPr lang="zh-TW" altLang="en-US" smtClean="0"/>
+              <a:rPr lang="zh-TW" altLang="en-US"/>
               <a:t>第二層</a:t>
             </a:r>
           </a:p>
           <a:p>
             <a:pPr lvl="2"/>
             <a:r>
-              <a:rPr lang="zh-TW" altLang="en-US" smtClean="0"/>
+              <a:rPr lang="zh-TW" altLang="en-US"/>
               <a:t>第三層</a:t>
             </a:r>
           </a:p>
           <a:p>
             <a:pPr lvl="3"/>
             <a:r>
-              <a:rPr lang="zh-TW" altLang="en-US" smtClean="0"/>
+              <a:rPr lang="zh-TW" altLang="en-US"/>
               <a:t>第四層</a:t>
             </a:r>
           </a:p>
           <a:p>
             <a:pPr lvl="4"/>
             <a:r>
-              <a:rPr lang="zh-TW" altLang="en-US" smtClean="0"/>
+              <a:rPr lang="zh-TW" altLang="en-US"/>
               <a:t>第五層</a:t>
             </a:r>
             <a:endParaRPr lang="en-US" dirty="0"/>
@@ -5313,7 +5315,7 @@
           <a:p>
             <a:fld id="{A7067665-FDAF-41EE-B1D0-0CBDA26A1703}" type="datetimeFigureOut">
               <a:rPr lang="zh-TW" altLang="en-US" smtClean="0"/>
-              <a:t>2019/1/7</a:t>
+              <a:t>2019/1/10</a:t>
             </a:fld>
             <a:endParaRPr lang="zh-TW" altLang="en-US"/>
           </a:p>
@@ -5860,13 +5862,13 @@
           <a:lstStyle/>
           <a:p>
             <a:r>
-              <a:rPr lang="en-US" altLang="zh-TW" sz="5400" dirty="0" smtClean="0"/>
+              <a:rPr lang="en-US" altLang="zh-TW" sz="5400" dirty="0"/>
               <a:t>Deep learning project</a:t>
             </a:r>
           </a:p>
           <a:p>
             <a:r>
-              <a:rPr lang="en-US" altLang="zh-TW" sz="4800" dirty="0" smtClean="0"/>
+              <a:rPr lang="en-US" altLang="zh-TW" sz="4800" dirty="0"/>
               <a:t> </a:t>
             </a:r>
           </a:p>
@@ -5882,8 +5884,8 @@
         </p:nvSpPr>
         <p:spPr>
           <a:xfrm>
-            <a:off x="2941492" y="4674525"/>
-            <a:ext cx="7105651" cy="612544"/>
+            <a:off x="764498" y="4674525"/>
+            <a:ext cx="9282645" cy="612544"/>
           </a:xfrm>
           <a:prstGeom prst="rect">
             <a:avLst/>
@@ -6114,13 +6116,35 @@
           </a:lstStyle>
           <a:p>
             <a:r>
-              <a:rPr lang="en-US" altLang="zh-TW" sz="4000" dirty="0" smtClean="0"/>
+              <a:rPr lang="en-US" altLang="zh-TW" sz="4000" dirty="0"/>
               <a:t>Team7</a:t>
             </a:r>
           </a:p>
           <a:p>
             <a:r>
-              <a:rPr lang="en-US" altLang="zh-TW" sz="4800" dirty="0" smtClean="0"/>
+              <a:rPr lang="en-US" altLang="zh-TW" sz="2400" dirty="0"/>
+              <a:t>GitHub: </a:t>
+            </a:r>
+            <a:r>
+              <a:rPr lang="en-US" altLang="zh-TW" sz="2400" dirty="0">
+                <a:hlinkClick r:id="rId2"/>
+              </a:rPr>
+              <a:t>https://github.com/Mowd/nctu_dl_final</a:t>
+            </a:r>
+            <a:r>
+              <a:rPr lang="en-US" altLang="zh-TW" sz="2400">
+                <a:hlinkClick r:id="rId2"/>
+              </a:rPr>
+              <a:t>/invitations</a:t>
+            </a:r>
+            <a:endParaRPr lang="en-US" altLang="zh-TW" sz="2400"/>
+          </a:p>
+          <a:p>
+            <a:endParaRPr lang="en-US" altLang="zh-TW" sz="2400" dirty="0"/>
+          </a:p>
+          <a:p>
+            <a:r>
+              <a:rPr lang="en-US" altLang="zh-TW" sz="3200" dirty="0"/>
               <a:t> </a:t>
             </a:r>
           </a:p>
@@ -6139,2015 +6163,7 @@
 </p:sld>
 </file>
 
-<file path=ppt/slides/slide2.xml><?xml version="1.0" encoding="utf-8"?>
-<p:sld xmlns:a="http://schemas.openxmlformats.org/drawingml/2006/main" xmlns:r="http://schemas.openxmlformats.org/officeDocument/2006/relationships" xmlns:p="http://schemas.openxmlformats.org/presentationml/2006/main">
-  <p:cSld>
-    <p:spTree>
-      <p:nvGrpSpPr>
-        <p:cNvPr id="1" name=""/>
-        <p:cNvGrpSpPr/>
-        <p:nvPr/>
-      </p:nvGrpSpPr>
-      <p:grpSpPr>
-        <a:xfrm>
-          <a:off x="0" y="0"/>
-          <a:ext cx="0" cy="0"/>
-          <a:chOff x="0" y="0"/>
-          <a:chExt cx="0" cy="0"/>
-        </a:xfrm>
-      </p:grpSpPr>
-      <p:sp>
-        <p:nvSpPr>
-          <p:cNvPr id="3" name="副標題 2"/>
-          <p:cNvSpPr>
-            <a:spLocks noGrp="1"/>
-          </p:cNvSpPr>
-          <p:nvPr>
-            <p:ph type="subTitle" idx="1"/>
-          </p:nvPr>
-        </p:nvSpPr>
-        <p:spPr>
-          <a:xfrm>
-            <a:off x="809104" y="706581"/>
-            <a:ext cx="9144000" cy="4580313"/>
-          </a:xfrm>
-        </p:spPr>
-        <p:txBody>
-          <a:bodyPr>
-            <a:normAutofit/>
-          </a:bodyPr>
-          <a:lstStyle/>
-          <a:p>
-            <a:pPr algn="l"/>
-            <a:r>
-              <a:rPr lang="en-US" altLang="zh-TW" sz="3600" dirty="0" smtClean="0"/>
-              <a:t>Outline</a:t>
-            </a:r>
-          </a:p>
-          <a:p>
-            <a:pPr marL="285750" indent="-285750" algn="l">
-              <a:buFont typeface="Arial" panose="020B0604020202020204" pitchFamily="34" charset="0"/>
-              <a:buChar char="•"/>
-            </a:pPr>
-            <a:r>
-              <a:rPr lang="en-US" altLang="zh-TW" sz="2400" dirty="0" smtClean="0"/>
-              <a:t> Image </a:t>
-            </a:r>
-            <a:r>
-              <a:rPr lang="en-US" altLang="zh-TW" sz="2400" dirty="0" err="1" smtClean="0"/>
-              <a:t>Classfication</a:t>
-            </a:r>
-            <a:r>
-              <a:rPr lang="en-US" altLang="zh-TW" sz="2400" dirty="0" smtClean="0"/>
-              <a:t> </a:t>
-            </a:r>
-          </a:p>
-          <a:p>
-            <a:pPr marL="285750" indent="-285750" algn="l">
-              <a:buFont typeface="Arial" panose="020B0604020202020204" pitchFamily="34" charset="0"/>
-              <a:buChar char="•"/>
-            </a:pPr>
-            <a:r>
-              <a:rPr lang="en-US" altLang="zh-TW" sz="2400" dirty="0" smtClean="0"/>
-              <a:t> Super Resolution </a:t>
-            </a:r>
-          </a:p>
-          <a:p>
-            <a:pPr marL="285750" indent="-285750" algn="l">
-              <a:buFont typeface="Arial" panose="020B0604020202020204" pitchFamily="34" charset="0"/>
-              <a:buChar char="•"/>
-            </a:pPr>
-            <a:r>
-              <a:rPr lang="en-US" altLang="zh-TW" sz="2400" dirty="0" smtClean="0"/>
-              <a:t> Object </a:t>
-            </a:r>
-            <a:r>
-              <a:rPr lang="en-US" altLang="zh-TW" sz="2400" dirty="0" err="1" smtClean="0"/>
-              <a:t>Dection</a:t>
-            </a:r>
-            <a:endParaRPr lang="en-US" altLang="zh-TW" sz="2400" dirty="0" smtClean="0"/>
-          </a:p>
-        </p:txBody>
-      </p:sp>
-    </p:spTree>
-    <p:extLst>
-      <p:ext uri="{BB962C8B-B14F-4D97-AF65-F5344CB8AC3E}">
-        <p14:creationId xmlns:p14="http://schemas.microsoft.com/office/powerpoint/2010/main" val="2993200152"/>
-      </p:ext>
-    </p:extLst>
-  </p:cSld>
-  <p:clrMapOvr>
-    <a:masterClrMapping/>
-  </p:clrMapOvr>
-</p:sld>
-</file>
-
-<file path=ppt/slides/slide3.xml><?xml version="1.0" encoding="utf-8"?>
-<p:sld xmlns:a="http://schemas.openxmlformats.org/drawingml/2006/main" xmlns:r="http://schemas.openxmlformats.org/officeDocument/2006/relationships" xmlns:p="http://schemas.openxmlformats.org/presentationml/2006/main">
-  <p:cSld>
-    <p:spTree>
-      <p:nvGrpSpPr>
-        <p:cNvPr id="1" name=""/>
-        <p:cNvGrpSpPr/>
-        <p:nvPr/>
-      </p:nvGrpSpPr>
-      <p:grpSpPr>
-        <a:xfrm>
-          <a:off x="0" y="0"/>
-          <a:ext cx="0" cy="0"/>
-          <a:chOff x="0" y="0"/>
-          <a:chExt cx="0" cy="0"/>
-        </a:xfrm>
-      </p:grpSpPr>
-      <p:sp>
-        <p:nvSpPr>
-          <p:cNvPr id="3" name="副標題 2"/>
-          <p:cNvSpPr>
-            <a:spLocks noGrp="1"/>
-          </p:cNvSpPr>
-          <p:nvPr>
-            <p:ph type="subTitle" idx="1"/>
-          </p:nvPr>
-        </p:nvSpPr>
-        <p:spPr>
-          <a:xfrm>
-            <a:off x="809104" y="706581"/>
-            <a:ext cx="9144000" cy="5536277"/>
-          </a:xfrm>
-        </p:spPr>
-        <p:txBody>
-          <a:bodyPr>
-            <a:normAutofit/>
-          </a:bodyPr>
-          <a:lstStyle/>
-          <a:p>
-            <a:pPr algn="l"/>
-            <a:r>
-              <a:rPr lang="en-US" altLang="zh-TW" sz="3600" dirty="0"/>
-              <a:t>Image </a:t>
-            </a:r>
-            <a:r>
-              <a:rPr lang="en-US" altLang="zh-TW" sz="3600" dirty="0" err="1"/>
-              <a:t>Classfication</a:t>
-            </a:r>
-            <a:r>
-              <a:rPr lang="en-US" altLang="zh-TW" sz="3600" dirty="0"/>
-              <a:t> </a:t>
-            </a:r>
-          </a:p>
-          <a:p>
-            <a:pPr marL="285750" indent="-285750" algn="l">
-              <a:buFont typeface="Arial" panose="020B0604020202020204" pitchFamily="34" charset="0"/>
-              <a:buChar char="•"/>
-            </a:pPr>
-            <a:r>
-              <a:rPr lang="en-US" altLang="zh-TW" sz="2400" dirty="0"/>
-              <a:t> Dataset</a:t>
-            </a:r>
-            <a:r>
-              <a:rPr lang="en-US" altLang="zh-TW" sz="2400" dirty="0" smtClean="0"/>
-              <a:t>: CINIC-10 </a:t>
-            </a:r>
-          </a:p>
-          <a:p>
-            <a:pPr marL="285750" indent="-285750" algn="l">
-              <a:buFont typeface="Arial" panose="020B0604020202020204" pitchFamily="34" charset="0"/>
-              <a:buChar char="•"/>
-            </a:pPr>
-            <a:r>
-              <a:rPr lang="en-US" altLang="zh-TW" sz="2400" dirty="0" smtClean="0"/>
-              <a:t> Model</a:t>
-            </a:r>
-            <a:r>
-              <a:rPr lang="en-US" altLang="zh-TW" sz="2400" dirty="0"/>
-              <a:t>: </a:t>
-            </a:r>
-            <a:r>
-              <a:rPr lang="en-US" altLang="zh-TW" sz="2400" dirty="0" smtClean="0"/>
-              <a:t>resnet20_cifar</a:t>
-            </a:r>
-          </a:p>
-          <a:p>
-            <a:pPr marL="285750" indent="-285750" algn="l">
-              <a:buFont typeface="Arial" panose="020B0604020202020204" pitchFamily="34" charset="0"/>
-              <a:buChar char="•"/>
-            </a:pPr>
-            <a:r>
-              <a:rPr lang="en-US" altLang="zh-TW" sz="2400" dirty="0" smtClean="0"/>
-              <a:t> Pre-processing:</a:t>
-            </a:r>
-            <a:r>
-              <a:rPr lang="en-US" altLang="zh-TW" sz="2400" dirty="0"/>
-              <a:t> Save the image as </a:t>
-            </a:r>
-            <a:r>
-              <a:rPr lang="en-US" altLang="zh-TW" sz="2400" dirty="0" err="1" smtClean="0"/>
-              <a:t>numpy</a:t>
-            </a:r>
-            <a:endParaRPr lang="en-US" altLang="zh-TW" sz="2400" dirty="0" smtClean="0"/>
-          </a:p>
-          <a:p>
-            <a:pPr marL="285750" indent="-285750" algn="l">
-              <a:buFont typeface="Arial" panose="020B0604020202020204" pitchFamily="34" charset="0"/>
-              <a:buChar char="•"/>
-            </a:pPr>
-            <a:r>
-              <a:rPr lang="en-US" altLang="zh-TW" sz="2400" dirty="0" smtClean="0"/>
-              <a:t> Data augmentation:</a:t>
-            </a:r>
-          </a:p>
-          <a:p>
-            <a:pPr marL="914400" lvl="1" indent="-457200" algn="l">
-              <a:buFont typeface="+mj-lt"/>
-              <a:buAutoNum type="arabicPeriod"/>
-            </a:pPr>
-            <a:r>
-              <a:rPr lang="en-US" altLang="zh-TW" sz="2200" dirty="0" err="1" smtClean="0"/>
-              <a:t>transforms.RandomCrop</a:t>
-            </a:r>
-            <a:r>
-              <a:rPr lang="en-US" altLang="zh-TW" sz="2200" dirty="0" smtClean="0"/>
-              <a:t>(32</a:t>
-            </a:r>
-            <a:r>
-              <a:rPr lang="en-US" altLang="zh-TW" sz="2200" dirty="0"/>
-              <a:t>, padding=4),</a:t>
-            </a:r>
-          </a:p>
-          <a:p>
-            <a:pPr marL="914400" lvl="1" indent="-457200" algn="l">
-              <a:buFont typeface="+mj-lt"/>
-              <a:buAutoNum type="arabicPeriod"/>
-            </a:pPr>
-            <a:r>
-              <a:rPr lang="en-US" altLang="zh-TW" sz="2200" dirty="0" err="1" smtClean="0"/>
-              <a:t>transforms.RandomHorizontalFlip</a:t>
-            </a:r>
-            <a:r>
-              <a:rPr lang="en-US" altLang="zh-TW" sz="2200" dirty="0"/>
-              <a:t>(),</a:t>
-            </a:r>
-          </a:p>
-          <a:p>
-            <a:pPr marL="914400" lvl="1" indent="-457200" algn="l">
-              <a:buFont typeface="+mj-lt"/>
-              <a:buAutoNum type="arabicPeriod"/>
-            </a:pPr>
-            <a:r>
-              <a:rPr lang="en-US" altLang="zh-TW" sz="2200" dirty="0" err="1" smtClean="0"/>
-              <a:t>transforms.Normalize</a:t>
-            </a:r>
-            <a:r>
-              <a:rPr lang="en-US" altLang="zh-TW" sz="2200" dirty="0" smtClean="0"/>
-              <a:t>(mean=</a:t>
-            </a:r>
-            <a:r>
-              <a:rPr lang="en-US" altLang="zh-TW" sz="2200" dirty="0" err="1" smtClean="0"/>
-              <a:t>cinic_mean</a:t>
-            </a:r>
-            <a:r>
-              <a:rPr lang="en-US" altLang="zh-TW" sz="2200" dirty="0"/>
-              <a:t>, </a:t>
-            </a:r>
-            <a:r>
-              <a:rPr lang="en-US" altLang="zh-TW" sz="2200" dirty="0" err="1"/>
-              <a:t>std</a:t>
-            </a:r>
-            <a:r>
-              <a:rPr lang="en-US" altLang="zh-TW" sz="2200" dirty="0"/>
-              <a:t>=</a:t>
-            </a:r>
-            <a:r>
-              <a:rPr lang="en-US" altLang="zh-TW" sz="2200" dirty="0" err="1"/>
-              <a:t>cinic_std</a:t>
-            </a:r>
-            <a:r>
-              <a:rPr lang="en-US" altLang="zh-TW" sz="2200" dirty="0"/>
-              <a:t>),</a:t>
-            </a:r>
-          </a:p>
-          <a:p>
-            <a:pPr marL="914400" lvl="1" indent="-457200" algn="l">
-              <a:buFont typeface="+mj-lt"/>
-              <a:buAutoNum type="arabicPeriod"/>
-            </a:pPr>
-            <a:r>
-              <a:rPr lang="en-US" altLang="zh-TW" sz="2200" dirty="0" smtClean="0"/>
-              <a:t>Cutout(</a:t>
-            </a:r>
-            <a:r>
-              <a:rPr lang="en-US" altLang="zh-TW" sz="2200" dirty="0" err="1" smtClean="0"/>
-              <a:t>n_holes</a:t>
-            </a:r>
-            <a:r>
-              <a:rPr lang="en-US" altLang="zh-TW" sz="2200" dirty="0" smtClean="0"/>
-              <a:t>=1, </a:t>
-            </a:r>
-            <a:r>
-              <a:rPr lang="en-US" altLang="zh-TW" sz="2200" dirty="0"/>
-              <a:t>length=16</a:t>
-            </a:r>
-            <a:r>
-              <a:rPr lang="en-US" altLang="zh-TW" sz="2200" dirty="0" smtClean="0"/>
-              <a:t>) </a:t>
-            </a:r>
-            <a:r>
-              <a:rPr lang="en-US" altLang="zh-TW" sz="2800" dirty="0" smtClean="0"/>
-              <a:t>-&gt; </a:t>
-            </a:r>
-            <a:r>
-              <a:rPr lang="en-US" altLang="zh-TW" sz="2000" dirty="0" smtClean="0"/>
-              <a:t>Regularization</a:t>
-            </a:r>
-            <a:r>
-              <a:rPr lang="en-US" altLang="zh-TW" sz="2000" dirty="0"/>
-              <a:t> </a:t>
-            </a:r>
-          </a:p>
-          <a:p>
-            <a:pPr marL="342900" indent="-342900" algn="l">
-              <a:buFont typeface="Arial" panose="020B0604020202020204" pitchFamily="34" charset="0"/>
-              <a:buChar char="•"/>
-            </a:pPr>
-            <a:r>
-              <a:rPr lang="en-US" altLang="zh-TW" sz="2400" dirty="0" err="1" smtClean="0"/>
-              <a:t>Ngraph</a:t>
-            </a:r>
-            <a:r>
-              <a:rPr lang="en-US" altLang="zh-TW" sz="2400" dirty="0" smtClean="0"/>
-              <a:t> :batch size 960 – CPU Inference</a:t>
-            </a:r>
-          </a:p>
-        </p:txBody>
-      </p:sp>
-    </p:spTree>
-    <p:extLst>
-      <p:ext uri="{BB962C8B-B14F-4D97-AF65-F5344CB8AC3E}">
-        <p14:creationId xmlns:p14="http://schemas.microsoft.com/office/powerpoint/2010/main" val="972458300"/>
-      </p:ext>
-    </p:extLst>
-  </p:cSld>
-  <p:clrMapOvr>
-    <a:masterClrMapping/>
-  </p:clrMapOvr>
-</p:sld>
-</file>
-
-<file path=ppt/slides/slide4.xml><?xml version="1.0" encoding="utf-8"?>
-<p:sld xmlns:a="http://schemas.openxmlformats.org/drawingml/2006/main" xmlns:r="http://schemas.openxmlformats.org/officeDocument/2006/relationships" xmlns:p="http://schemas.openxmlformats.org/presentationml/2006/main">
-  <p:cSld>
-    <p:spTree>
-      <p:nvGrpSpPr>
-        <p:cNvPr id="1" name=""/>
-        <p:cNvGrpSpPr/>
-        <p:nvPr/>
-      </p:nvGrpSpPr>
-      <p:grpSpPr>
-        <a:xfrm>
-          <a:off x="0" y="0"/>
-          <a:ext cx="0" cy="0"/>
-          <a:chOff x="0" y="0"/>
-          <a:chExt cx="0" cy="0"/>
-        </a:xfrm>
-      </p:grpSpPr>
-      <p:sp>
-        <p:nvSpPr>
-          <p:cNvPr id="3" name="副標題 2"/>
-          <p:cNvSpPr>
-            <a:spLocks noGrp="1"/>
-          </p:cNvSpPr>
-          <p:nvPr>
-            <p:ph type="subTitle" idx="1"/>
-          </p:nvPr>
-        </p:nvSpPr>
-        <p:spPr>
-          <a:xfrm>
-            <a:off x="809104" y="706581"/>
-            <a:ext cx="9144000" cy="5536277"/>
-          </a:xfrm>
-        </p:spPr>
-        <p:txBody>
-          <a:bodyPr>
-            <a:normAutofit/>
-          </a:bodyPr>
-          <a:lstStyle/>
-          <a:p>
-            <a:pPr algn="l"/>
-            <a:r>
-              <a:rPr lang="en-US" altLang="zh-TW" sz="3600" dirty="0"/>
-              <a:t>Image </a:t>
-            </a:r>
-            <a:r>
-              <a:rPr lang="en-US" altLang="zh-TW" sz="3600" dirty="0" err="1"/>
-              <a:t>Classfication</a:t>
-            </a:r>
-            <a:r>
-              <a:rPr lang="en-US" altLang="zh-TW" sz="3600" dirty="0"/>
-              <a:t> </a:t>
-            </a:r>
-            <a:r>
-              <a:rPr lang="en-US" altLang="zh-TW" sz="3600" dirty="0" smtClean="0"/>
-              <a:t>- results</a:t>
-            </a:r>
-            <a:endParaRPr lang="en-US" altLang="zh-TW" sz="3600" dirty="0"/>
-          </a:p>
-          <a:p>
-            <a:pPr marL="285750" indent="-285750" algn="l">
-              <a:buFont typeface="Arial" panose="020B0604020202020204" pitchFamily="34" charset="0"/>
-              <a:buChar char="•"/>
-            </a:pPr>
-            <a:r>
-              <a:rPr lang="en-US" altLang="zh-TW" sz="2400" dirty="0"/>
-              <a:t> </a:t>
-            </a:r>
-            <a:r>
-              <a:rPr lang="en-US" altLang="zh-TW" sz="2400" dirty="0" smtClean="0"/>
-              <a:t>CPU inference time : 286.98</a:t>
-            </a:r>
-          </a:p>
-          <a:p>
-            <a:pPr marL="285750" indent="-285750" algn="l">
-              <a:buFont typeface="Arial" panose="020B0604020202020204" pitchFamily="34" charset="0"/>
-              <a:buChar char="•"/>
-            </a:pPr>
-            <a:r>
-              <a:rPr lang="en-US" altLang="zh-TW" sz="2400" dirty="0" smtClean="0"/>
-              <a:t> CPU accuracy: 84.663978</a:t>
-            </a:r>
-          </a:p>
-          <a:p>
-            <a:pPr marL="285750" indent="-285750" algn="l">
-              <a:buFont typeface="Arial" panose="020B0604020202020204" pitchFamily="34" charset="0"/>
-              <a:buChar char="•"/>
-            </a:pPr>
-            <a:r>
-              <a:rPr lang="en-US" altLang="zh-TW" sz="2400" dirty="0" smtClean="0"/>
-              <a:t> GPU </a:t>
-            </a:r>
-            <a:r>
-              <a:rPr lang="en-US" altLang="zh-TW" sz="2400" dirty="0"/>
-              <a:t>inference time : </a:t>
-            </a:r>
-            <a:r>
-              <a:rPr lang="en-US" altLang="zh-TW" sz="2400" dirty="0" smtClean="0"/>
-              <a:t>12.08</a:t>
-            </a:r>
-            <a:endParaRPr lang="en-US" altLang="zh-TW" sz="2400" dirty="0"/>
-          </a:p>
-          <a:p>
-            <a:pPr marL="285750" indent="-285750" algn="l">
-              <a:buFont typeface="Arial" panose="020B0604020202020204" pitchFamily="34" charset="0"/>
-              <a:buChar char="•"/>
-            </a:pPr>
-            <a:r>
-              <a:rPr lang="en-US" altLang="zh-TW" sz="2400" dirty="0"/>
-              <a:t> </a:t>
-            </a:r>
-            <a:r>
-              <a:rPr lang="en-US" altLang="zh-TW" sz="2400" dirty="0" smtClean="0"/>
-              <a:t>GPU </a:t>
-            </a:r>
-            <a:r>
-              <a:rPr lang="en-US" altLang="zh-TW" sz="2400" dirty="0"/>
-              <a:t>accuracy: </a:t>
-            </a:r>
-            <a:r>
-              <a:rPr lang="en-US" altLang="zh-TW" sz="2400" dirty="0" smtClean="0"/>
-              <a:t>84.52777</a:t>
-            </a:r>
-          </a:p>
-          <a:p>
-            <a:pPr marL="285750" indent="-285750" algn="l">
-              <a:buFont typeface="Arial" panose="020B0604020202020204" pitchFamily="34" charset="0"/>
-              <a:buChar char="•"/>
-            </a:pPr>
-            <a:r>
-              <a:rPr lang="en-US" altLang="zh-TW" sz="2400" dirty="0" smtClean="0"/>
-              <a:t> Number of weight: 274063</a:t>
-            </a:r>
-          </a:p>
-          <a:p>
-            <a:pPr marL="285750" indent="-285750" algn="l">
-              <a:buFont typeface="Arial" panose="020B0604020202020204" pitchFamily="34" charset="0"/>
-              <a:buChar char="•"/>
-            </a:pPr>
-            <a:r>
-              <a:rPr lang="en-US" altLang="zh-TW" sz="2400" dirty="0" smtClean="0"/>
-              <a:t>Model size = 1.0454673MB</a:t>
-            </a:r>
-            <a:endParaRPr lang="en-US" altLang="zh-TW" sz="2400" dirty="0"/>
-          </a:p>
-        </p:txBody>
-      </p:sp>
-    </p:spTree>
-    <p:extLst>
-      <p:ext uri="{BB962C8B-B14F-4D97-AF65-F5344CB8AC3E}">
-        <p14:creationId xmlns:p14="http://schemas.microsoft.com/office/powerpoint/2010/main" val="1001771061"/>
-      </p:ext>
-    </p:extLst>
-  </p:cSld>
-  <p:clrMapOvr>
-    <a:masterClrMapping/>
-  </p:clrMapOvr>
-</p:sld>
-</file>
-
-<file path=ppt/slides/slide5.xml><?xml version="1.0" encoding="utf-8"?>
-<p:sld xmlns:a="http://schemas.openxmlformats.org/drawingml/2006/main" xmlns:r="http://schemas.openxmlformats.org/officeDocument/2006/relationships" xmlns:p="http://schemas.openxmlformats.org/presentationml/2006/main">
-  <p:cSld>
-    <p:spTree>
-      <p:nvGrpSpPr>
-        <p:cNvPr id="1" name=""/>
-        <p:cNvGrpSpPr/>
-        <p:nvPr/>
-      </p:nvGrpSpPr>
-      <p:grpSpPr>
-        <a:xfrm>
-          <a:off x="0" y="0"/>
-          <a:ext cx="0" cy="0"/>
-          <a:chOff x="0" y="0"/>
-          <a:chExt cx="0" cy="0"/>
-        </a:xfrm>
-      </p:grpSpPr>
-      <p:sp>
-        <p:nvSpPr>
-          <p:cNvPr id="3" name="副標題 2"/>
-          <p:cNvSpPr>
-            <a:spLocks noGrp="1"/>
-          </p:cNvSpPr>
-          <p:nvPr>
-            <p:ph type="subTitle" idx="1"/>
-          </p:nvPr>
-        </p:nvSpPr>
-        <p:spPr>
-          <a:xfrm>
-            <a:off x="809104" y="706581"/>
-            <a:ext cx="9144000" cy="4580313"/>
-          </a:xfrm>
-        </p:spPr>
-        <p:txBody>
-          <a:bodyPr>
-            <a:normAutofit/>
-          </a:bodyPr>
-          <a:lstStyle/>
-          <a:p>
-            <a:pPr algn="l"/>
-            <a:r>
-              <a:rPr lang="en-US" altLang="zh-TW" sz="3600" dirty="0"/>
-              <a:t>Super Resolution </a:t>
-            </a:r>
-            <a:r>
-              <a:rPr lang="en-US" altLang="zh-TW" sz="2400" dirty="0" smtClean="0"/>
-              <a:t> </a:t>
-            </a:r>
-          </a:p>
-          <a:p>
-            <a:pPr marL="342900" indent="-342900" algn="l">
-              <a:buFont typeface="Arial" panose="020B0604020202020204" pitchFamily="34" charset="0"/>
-              <a:buChar char="•"/>
-            </a:pPr>
-            <a:r>
-              <a:rPr lang="en-US" altLang="zh-TW" sz="2400" dirty="0" smtClean="0"/>
-              <a:t>Dataset</a:t>
-            </a:r>
-            <a:r>
-              <a:rPr lang="en-US" altLang="zh-TW" sz="2400" dirty="0"/>
-              <a:t>: DIV2K</a:t>
-            </a:r>
-            <a:endParaRPr lang="en-US" altLang="zh-TW" sz="2400" dirty="0" smtClean="0"/>
-          </a:p>
-          <a:p>
-            <a:pPr marL="285750" indent="-285750" algn="l">
-              <a:buFont typeface="Arial" panose="020B0604020202020204" pitchFamily="34" charset="0"/>
-              <a:buChar char="•"/>
-            </a:pPr>
-            <a:r>
-              <a:rPr lang="en-US" altLang="zh-TW" sz="2400" dirty="0" smtClean="0"/>
-              <a:t> Model: </a:t>
-            </a:r>
-            <a:r>
-              <a:rPr lang="en-US" altLang="zh-TW" sz="2400" dirty="0" err="1" smtClean="0"/>
-              <a:t>wdsr_b</a:t>
-            </a:r>
-            <a:endParaRPr lang="en-US" altLang="zh-TW" sz="2400" dirty="0" smtClean="0"/>
-          </a:p>
-          <a:p>
-            <a:pPr marL="285750" indent="-285750" algn="l">
-              <a:buFont typeface="Arial" panose="020B0604020202020204" pitchFamily="34" charset="0"/>
-              <a:buChar char="•"/>
-            </a:pPr>
-            <a:r>
-              <a:rPr lang="en-US" altLang="zh-TW" dirty="0" smtClean="0"/>
-              <a:t>n_resblocks:12</a:t>
-            </a:r>
-          </a:p>
-          <a:p>
-            <a:pPr marL="285750" indent="-285750" algn="l">
-              <a:buFont typeface="Arial" panose="020B0604020202020204" pitchFamily="34" charset="0"/>
-              <a:buChar char="•"/>
-            </a:pPr>
-            <a:r>
-              <a:rPr lang="en-US" altLang="zh-TW" dirty="0" smtClean="0"/>
-              <a:t>n_feats:32</a:t>
-            </a:r>
-          </a:p>
-          <a:p>
-            <a:pPr marL="285750" indent="-285750" algn="l">
-              <a:buFont typeface="Arial" panose="020B0604020202020204" pitchFamily="34" charset="0"/>
-              <a:buChar char="•"/>
-            </a:pPr>
-            <a:r>
-              <a:rPr lang="en-US" altLang="zh-TW" dirty="0" smtClean="0"/>
-              <a:t>block_feats</a:t>
-            </a:r>
-            <a:r>
-              <a:rPr lang="en-US" altLang="zh-TW" dirty="0"/>
-              <a:t>:</a:t>
-            </a:r>
-            <a:r>
-              <a:rPr lang="en-US" altLang="zh-TW" dirty="0" smtClean="0"/>
-              <a:t>96 </a:t>
-            </a:r>
-          </a:p>
-          <a:p>
-            <a:pPr marL="285750" indent="-285750" algn="l">
-              <a:buFont typeface="Arial" panose="020B0604020202020204" pitchFamily="34" charset="0"/>
-              <a:buChar char="•"/>
-            </a:pPr>
-            <a:r>
-              <a:rPr lang="en-US" altLang="zh-TW" dirty="0" smtClean="0"/>
-              <a:t>res_scale</a:t>
-            </a:r>
-            <a:r>
-              <a:rPr lang="en-US" altLang="zh-TW" dirty="0"/>
-              <a:t>:</a:t>
-            </a:r>
-            <a:r>
-              <a:rPr lang="en-US" altLang="zh-TW" dirty="0" smtClean="0"/>
-              <a:t>0.1 </a:t>
-            </a:r>
-          </a:p>
-          <a:p>
-            <a:pPr marL="285750" indent="-285750" algn="l">
-              <a:buFont typeface="Arial" panose="020B0604020202020204" pitchFamily="34" charset="0"/>
-              <a:buChar char="•"/>
-            </a:pPr>
-            <a:r>
-              <a:rPr lang="en-US" altLang="zh-TW" dirty="0" smtClean="0"/>
-              <a:t>patch_size:96</a:t>
-            </a:r>
-            <a:endParaRPr lang="en-US" altLang="zh-TW" sz="2400" dirty="0" smtClean="0"/>
-          </a:p>
-        </p:txBody>
-      </p:sp>
-      <p:pic>
-        <p:nvPicPr>
-          <p:cNvPr id="4" name="圖片 3"/>
-          <p:cNvPicPr>
-            <a:picLocks noChangeAspect="1"/>
-          </p:cNvPicPr>
-          <p:nvPr/>
-        </p:nvPicPr>
-        <p:blipFill>
-          <a:blip r:embed="rId2"/>
-          <a:stretch>
-            <a:fillRect/>
-          </a:stretch>
-        </p:blipFill>
-        <p:spPr>
-          <a:xfrm>
-            <a:off x="4567237" y="2228850"/>
-            <a:ext cx="4562475" cy="2476500"/>
-          </a:xfrm>
-          <a:prstGeom prst="rect">
-            <a:avLst/>
-          </a:prstGeom>
-        </p:spPr>
-      </p:pic>
-      <p:sp>
-        <p:nvSpPr>
-          <p:cNvPr id="2" name="矩形 1"/>
-          <p:cNvSpPr/>
-          <p:nvPr/>
-        </p:nvSpPr>
-        <p:spPr>
-          <a:xfrm>
-            <a:off x="4414031" y="5023668"/>
-            <a:ext cx="4125938" cy="369332"/>
-          </a:xfrm>
-          <a:prstGeom prst="rect">
-            <a:avLst/>
-          </a:prstGeom>
-        </p:spPr>
-        <p:txBody>
-          <a:bodyPr wrap="none">
-            <a:spAutoFit/>
-          </a:bodyPr>
-          <a:lstStyle/>
-          <a:p>
-            <a:r>
-              <a:rPr lang="zh-TW" altLang="en-US" dirty="0" smtClean="0"/>
-              <a:t>https://arxiv.org/pdf/1808.08718.pdf</a:t>
-            </a:r>
-            <a:endParaRPr lang="zh-TW" altLang="en-US" dirty="0"/>
-          </a:p>
-        </p:txBody>
-      </p:sp>
-    </p:spTree>
-    <p:extLst>
-      <p:ext uri="{BB962C8B-B14F-4D97-AF65-F5344CB8AC3E}">
-        <p14:creationId xmlns:p14="http://schemas.microsoft.com/office/powerpoint/2010/main" val="3535919698"/>
-      </p:ext>
-    </p:extLst>
-  </p:cSld>
-  <p:clrMapOvr>
-    <a:masterClrMapping/>
-  </p:clrMapOvr>
-</p:sld>
-</file>
-
-<file path=ppt/slides/slide6.xml><?xml version="1.0" encoding="utf-8"?>
-<p:sld xmlns:a="http://schemas.openxmlformats.org/drawingml/2006/main" xmlns:r="http://schemas.openxmlformats.org/officeDocument/2006/relationships" xmlns:p="http://schemas.openxmlformats.org/presentationml/2006/main">
-  <p:cSld>
-    <p:spTree>
-      <p:nvGrpSpPr>
-        <p:cNvPr id="1" name=""/>
-        <p:cNvGrpSpPr/>
-        <p:nvPr/>
-      </p:nvGrpSpPr>
-      <p:grpSpPr>
-        <a:xfrm>
-          <a:off x="0" y="0"/>
-          <a:ext cx="0" cy="0"/>
-          <a:chOff x="0" y="0"/>
-          <a:chExt cx="0" cy="0"/>
-        </a:xfrm>
-      </p:grpSpPr>
-      <p:sp>
-        <p:nvSpPr>
-          <p:cNvPr id="3" name="副標題 2"/>
-          <p:cNvSpPr>
-            <a:spLocks noGrp="1"/>
-          </p:cNvSpPr>
-          <p:nvPr>
-            <p:ph type="subTitle" idx="1"/>
-          </p:nvPr>
-        </p:nvSpPr>
-        <p:spPr>
-          <a:xfrm>
-            <a:off x="809104" y="706581"/>
-            <a:ext cx="9144000" cy="4580313"/>
-          </a:xfrm>
-        </p:spPr>
-        <p:txBody>
-          <a:bodyPr>
-            <a:normAutofit/>
-          </a:bodyPr>
-          <a:lstStyle/>
-          <a:p>
-            <a:pPr algn="l"/>
-            <a:r>
-              <a:rPr lang="en-US" altLang="zh-TW" sz="3600" dirty="0"/>
-              <a:t>Super Resolution </a:t>
-            </a:r>
-            <a:r>
-              <a:rPr lang="en-US" altLang="zh-TW" sz="2400" dirty="0" smtClean="0"/>
-              <a:t> </a:t>
-            </a:r>
-          </a:p>
-          <a:p>
-            <a:pPr marL="285750" indent="-285750" algn="l">
-              <a:buFont typeface="Arial" panose="020B0604020202020204" pitchFamily="34" charset="0"/>
-              <a:buChar char="•"/>
-            </a:pPr>
-            <a:endParaRPr lang="en-US" altLang="zh-TW" sz="2400" dirty="0" smtClean="0"/>
-          </a:p>
-          <a:p>
-            <a:pPr marL="285750" indent="-285750" algn="l">
-              <a:buFont typeface="Arial" panose="020B0604020202020204" pitchFamily="34" charset="0"/>
-              <a:buChar char="•"/>
-            </a:pPr>
-            <a:endParaRPr lang="en-US" altLang="zh-TW" dirty="0" smtClean="0"/>
-          </a:p>
-        </p:txBody>
-      </p:sp>
-      <p:graphicFrame>
-        <p:nvGraphicFramePr>
-          <p:cNvPr id="2" name="表格 1"/>
-          <p:cNvGraphicFramePr>
-            <a:graphicFrameLocks noGrp="1"/>
-          </p:cNvGraphicFramePr>
-          <p:nvPr/>
-        </p:nvGraphicFramePr>
-        <p:xfrm>
-          <a:off x="2351315" y="2011676"/>
-          <a:ext cx="7406639" cy="3275217"/>
-        </p:xfrm>
-        <a:graphic>
-          <a:graphicData uri="http://schemas.openxmlformats.org/drawingml/2006/table">
-            <a:tbl>
-              <a:tblPr>
-                <a:tableStyleId>{5C22544A-7EE6-4342-B048-85BDC9FD1C3A}</a:tableStyleId>
-              </a:tblPr>
-              <a:tblGrid>
-                <a:gridCol w="2669398">
-                  <a:extLst>
-                    <a:ext uri="{9D8B030D-6E8A-4147-A177-3AD203B41FA5}">
-                      <a16:colId xmlns:a16="http://schemas.microsoft.com/office/drawing/2014/main" val="1979028882"/>
-                    </a:ext>
-                  </a:extLst>
-                </a:gridCol>
-                <a:gridCol w="2030246">
-                  <a:extLst>
-                    <a:ext uri="{9D8B030D-6E8A-4147-A177-3AD203B41FA5}">
-                      <a16:colId xmlns:a16="http://schemas.microsoft.com/office/drawing/2014/main" val="3877690653"/>
-                    </a:ext>
-                  </a:extLst>
-                </a:gridCol>
-                <a:gridCol w="2706995">
-                  <a:extLst>
-                    <a:ext uri="{9D8B030D-6E8A-4147-A177-3AD203B41FA5}">
-                      <a16:colId xmlns:a16="http://schemas.microsoft.com/office/drawing/2014/main" val="3436845254"/>
-                    </a:ext>
-                  </a:extLst>
-                </a:gridCol>
-              </a:tblGrid>
-              <a:tr h="363913">
-                <a:tc>
-                  <a:txBody>
-                    <a:bodyPr/>
-                    <a:lstStyle/>
-                    <a:p>
-                      <a:pPr algn="l" fontAlgn="ctr"/>
-                      <a:r>
-                        <a:rPr lang="en-US" sz="1400" u="none" strike="noStrike" dirty="0">
-                          <a:effectLst/>
-                        </a:rPr>
-                        <a:t>MODE</a:t>
-                      </a:r>
-                      <a:endParaRPr lang="en-US" sz="1400" b="1" i="0" u="none" strike="noStrike" dirty="0">
-                        <a:solidFill>
-                          <a:srgbClr val="000000"/>
-                        </a:solidFill>
-                        <a:effectLst/>
-                        <a:latin typeface="新細明體" panose="02020500000000000000" pitchFamily="18" charset="-120"/>
-                        <a:ea typeface="新細明體" panose="02020500000000000000" pitchFamily="18" charset="-120"/>
-                      </a:endParaRPr>
-                    </a:p>
-                  </a:txBody>
-                  <a:tcPr marL="9525" marR="9525" marT="9525" marB="0" anchor="ctr"/>
-                </a:tc>
-                <a:tc>
-                  <a:txBody>
-                    <a:bodyPr/>
-                    <a:lstStyle/>
-                    <a:p>
-                      <a:pPr algn="l" fontAlgn="ctr"/>
-                      <a:r>
-                        <a:rPr lang="en-US" sz="1400" u="none" strike="noStrike">
-                          <a:effectLst/>
-                        </a:rPr>
-                        <a:t>PSNR</a:t>
-                      </a:r>
-                      <a:endParaRPr lang="en-US" sz="1400" b="1" i="0" u="none" strike="noStrike">
-                        <a:solidFill>
-                          <a:srgbClr val="000000"/>
-                        </a:solidFill>
-                        <a:effectLst/>
-                        <a:latin typeface="新細明體" panose="02020500000000000000" pitchFamily="18" charset="-120"/>
-                        <a:ea typeface="新細明體" panose="02020500000000000000" pitchFamily="18" charset="-120"/>
-                      </a:endParaRPr>
-                    </a:p>
-                  </a:txBody>
-                  <a:tcPr marL="9525" marR="9525" marT="9525" marB="0" anchor="ctr"/>
-                </a:tc>
-                <a:tc>
-                  <a:txBody>
-                    <a:bodyPr/>
-                    <a:lstStyle/>
-                    <a:p>
-                      <a:pPr algn="l" fontAlgn="ctr"/>
-                      <a:r>
-                        <a:rPr lang="en-US" sz="1400" u="none" strike="noStrike" dirty="0">
-                          <a:effectLst/>
-                        </a:rPr>
-                        <a:t>SIZE(MB)</a:t>
-                      </a:r>
-                      <a:endParaRPr lang="en-US" sz="1400" b="1" i="0" u="none" strike="noStrike" dirty="0">
-                        <a:solidFill>
-                          <a:srgbClr val="000000"/>
-                        </a:solidFill>
-                        <a:effectLst/>
-                        <a:latin typeface="新細明體" panose="02020500000000000000" pitchFamily="18" charset="-120"/>
-                        <a:ea typeface="新細明體" panose="02020500000000000000" pitchFamily="18" charset="-120"/>
-                      </a:endParaRPr>
-                    </a:p>
-                  </a:txBody>
-                  <a:tcPr marL="9525" marR="9525" marT="9525" marB="0" anchor="ctr"/>
-                </a:tc>
-                <a:extLst>
-                  <a:ext uri="{0D108BD9-81ED-4DB2-BD59-A6C34878D82A}">
-                    <a16:rowId xmlns:a16="http://schemas.microsoft.com/office/drawing/2014/main" val="4045302777"/>
-                  </a:ext>
-                </a:extLst>
-              </a:tr>
-              <a:tr h="363913">
-                <a:tc>
-                  <a:txBody>
-                    <a:bodyPr/>
-                    <a:lstStyle/>
-                    <a:p>
-                      <a:pPr algn="l" fontAlgn="ctr"/>
-                      <a:r>
-                        <a:rPr lang="en-US" sz="1400" u="none" strike="noStrike" dirty="0">
-                          <a:effectLst/>
-                        </a:rPr>
-                        <a:t>EDSR</a:t>
-                      </a:r>
-                      <a:endParaRPr lang="en-US" sz="1400" b="0" i="0" u="none" strike="noStrike" dirty="0">
-                        <a:solidFill>
-                          <a:srgbClr val="000000"/>
-                        </a:solidFill>
-                        <a:effectLst/>
-                        <a:latin typeface="Calibri" panose="020F0502020204030204" pitchFamily="34" charset="0"/>
-                        <a:ea typeface="新細明體" panose="02020500000000000000" pitchFamily="18" charset="-120"/>
-                      </a:endParaRPr>
-                    </a:p>
-                  </a:txBody>
-                  <a:tcPr marL="9525" marR="9525" marT="9525" marB="0" anchor="ctr"/>
-                </a:tc>
-                <a:tc>
-                  <a:txBody>
-                    <a:bodyPr/>
-                    <a:lstStyle/>
-                    <a:p>
-                      <a:pPr algn="r" fontAlgn="ctr"/>
-                      <a:r>
-                        <a:rPr lang="en-US" altLang="zh-TW" sz="1400" u="none" strike="noStrike">
-                          <a:effectLst/>
-                        </a:rPr>
-                        <a:t>35.552</a:t>
-                      </a:r>
-                      <a:endParaRPr lang="en-US" altLang="zh-TW" sz="1400" b="0" i="0" u="none" strike="noStrike">
-                        <a:solidFill>
-                          <a:srgbClr val="000000"/>
-                        </a:solidFill>
-                        <a:effectLst/>
-                        <a:latin typeface="新細明體" panose="02020500000000000000" pitchFamily="18" charset="-120"/>
-                        <a:ea typeface="新細明體" panose="02020500000000000000" pitchFamily="18" charset="-120"/>
-                      </a:endParaRPr>
-                    </a:p>
-                  </a:txBody>
-                  <a:tcPr marL="9525" marR="9525" marT="9525" marB="0" anchor="ctr"/>
-                </a:tc>
-                <a:tc>
-                  <a:txBody>
-                    <a:bodyPr/>
-                    <a:lstStyle/>
-                    <a:p>
-                      <a:pPr algn="r" fontAlgn="ctr"/>
-                      <a:r>
-                        <a:rPr lang="en-US" altLang="zh-TW" sz="1400" u="none" strike="noStrike">
-                          <a:effectLst/>
-                        </a:rPr>
-                        <a:t>5.239257813</a:t>
-                      </a:r>
-                      <a:endParaRPr lang="en-US" altLang="zh-TW" sz="1400" b="0" i="0" u="none" strike="noStrike">
-                        <a:solidFill>
-                          <a:srgbClr val="000000"/>
-                        </a:solidFill>
-                        <a:effectLst/>
-                        <a:latin typeface="新細明體" panose="02020500000000000000" pitchFamily="18" charset="-120"/>
-                        <a:ea typeface="新細明體" panose="02020500000000000000" pitchFamily="18" charset="-120"/>
-                      </a:endParaRPr>
-                    </a:p>
-                  </a:txBody>
-                  <a:tcPr marL="9525" marR="9525" marT="9525" marB="0" anchor="ctr"/>
-                </a:tc>
-                <a:extLst>
-                  <a:ext uri="{0D108BD9-81ED-4DB2-BD59-A6C34878D82A}">
-                    <a16:rowId xmlns:a16="http://schemas.microsoft.com/office/drawing/2014/main" val="3905022216"/>
-                  </a:ext>
-                </a:extLst>
-              </a:tr>
-              <a:tr h="363913">
-                <a:tc>
-                  <a:txBody>
-                    <a:bodyPr/>
-                    <a:lstStyle/>
-                    <a:p>
-                      <a:pPr algn="l" fontAlgn="ctr"/>
-                      <a:r>
-                        <a:rPr lang="en-US" sz="1400" u="none" strike="noStrike" dirty="0">
-                          <a:effectLst/>
-                        </a:rPr>
-                        <a:t>EDSR_v2</a:t>
-                      </a:r>
-                      <a:endParaRPr lang="en-US" sz="1400" b="0" i="0" u="none" strike="noStrike" dirty="0">
-                        <a:solidFill>
-                          <a:srgbClr val="000000"/>
-                        </a:solidFill>
-                        <a:effectLst/>
-                        <a:latin typeface="新細明體" panose="02020500000000000000" pitchFamily="18" charset="-120"/>
-                        <a:ea typeface="新細明體" panose="02020500000000000000" pitchFamily="18" charset="-120"/>
-                      </a:endParaRPr>
-                    </a:p>
-                  </a:txBody>
-                  <a:tcPr marL="9525" marR="9525" marT="9525" marB="0" anchor="ctr"/>
-                </a:tc>
-                <a:tc>
-                  <a:txBody>
-                    <a:bodyPr/>
-                    <a:lstStyle/>
-                    <a:p>
-                      <a:pPr algn="r" fontAlgn="ctr"/>
-                      <a:r>
-                        <a:rPr lang="en-US" altLang="zh-TW" sz="1400" u="none" strike="noStrike">
-                          <a:effectLst/>
-                        </a:rPr>
-                        <a:t>35.968</a:t>
-                      </a:r>
-                      <a:endParaRPr lang="en-US" altLang="zh-TW" sz="1400" b="0" i="0" u="none" strike="noStrike">
-                        <a:solidFill>
-                          <a:srgbClr val="000000"/>
-                        </a:solidFill>
-                        <a:effectLst/>
-                        <a:latin typeface="新細明體" panose="02020500000000000000" pitchFamily="18" charset="-120"/>
-                        <a:ea typeface="新細明體" panose="02020500000000000000" pitchFamily="18" charset="-120"/>
-                      </a:endParaRPr>
-                    </a:p>
-                  </a:txBody>
-                  <a:tcPr marL="9525" marR="9525" marT="9525" marB="0" anchor="ctr"/>
-                </a:tc>
-                <a:tc>
-                  <a:txBody>
-                    <a:bodyPr/>
-                    <a:lstStyle/>
-                    <a:p>
-                      <a:pPr algn="r" fontAlgn="ctr"/>
-                      <a:r>
-                        <a:rPr lang="en-US" altLang="zh-TW" sz="1400" u="none" strike="noStrike">
-                          <a:effectLst/>
-                        </a:rPr>
-                        <a:t>155.3964844</a:t>
-                      </a:r>
-                      <a:endParaRPr lang="en-US" altLang="zh-TW" sz="1400" b="0" i="0" u="none" strike="noStrike">
-                        <a:solidFill>
-                          <a:srgbClr val="000000"/>
-                        </a:solidFill>
-                        <a:effectLst/>
-                        <a:latin typeface="新細明體" panose="02020500000000000000" pitchFamily="18" charset="-120"/>
-                        <a:ea typeface="新細明體" panose="02020500000000000000" pitchFamily="18" charset="-120"/>
-                      </a:endParaRPr>
-                    </a:p>
-                  </a:txBody>
-                  <a:tcPr marL="9525" marR="9525" marT="9525" marB="0" anchor="ctr"/>
-                </a:tc>
-                <a:extLst>
-                  <a:ext uri="{0D108BD9-81ED-4DB2-BD59-A6C34878D82A}">
-                    <a16:rowId xmlns:a16="http://schemas.microsoft.com/office/drawing/2014/main" val="2763290792"/>
-                  </a:ext>
-                </a:extLst>
-              </a:tr>
-              <a:tr h="363913">
-                <a:tc>
-                  <a:txBody>
-                    <a:bodyPr/>
-                    <a:lstStyle/>
-                    <a:p>
-                      <a:pPr algn="l" fontAlgn="ctr"/>
-                      <a:r>
-                        <a:rPr lang="en-US" sz="1400" u="none" strike="noStrike" dirty="0">
-                          <a:effectLst/>
-                        </a:rPr>
-                        <a:t>MDSR</a:t>
-                      </a:r>
-                      <a:endParaRPr lang="en-US" sz="1400" b="0" i="0" u="none" strike="noStrike" dirty="0">
-                        <a:solidFill>
-                          <a:srgbClr val="000000"/>
-                        </a:solidFill>
-                        <a:effectLst/>
-                        <a:latin typeface="Calibri" panose="020F0502020204030204" pitchFamily="34" charset="0"/>
-                        <a:ea typeface="新細明體" panose="02020500000000000000" pitchFamily="18" charset="-120"/>
-                      </a:endParaRPr>
-                    </a:p>
-                  </a:txBody>
-                  <a:tcPr marL="9525" marR="9525" marT="9525" marB="0" anchor="ctr"/>
-                </a:tc>
-                <a:tc>
-                  <a:txBody>
-                    <a:bodyPr/>
-                    <a:lstStyle/>
-                    <a:p>
-                      <a:pPr algn="r" fontAlgn="ctr"/>
-                      <a:r>
-                        <a:rPr lang="en-US" altLang="zh-TW" sz="1400" u="none" strike="noStrike" dirty="0">
-                          <a:effectLst/>
-                        </a:rPr>
-                        <a:t>35.556</a:t>
-                      </a:r>
-                      <a:endParaRPr lang="en-US" altLang="zh-TW" sz="1400" b="0" i="0" u="none" strike="noStrike" dirty="0">
-                        <a:solidFill>
-                          <a:srgbClr val="000000"/>
-                        </a:solidFill>
-                        <a:effectLst/>
-                        <a:latin typeface="新細明體" panose="02020500000000000000" pitchFamily="18" charset="-120"/>
-                        <a:ea typeface="新細明體" panose="02020500000000000000" pitchFamily="18" charset="-120"/>
-                      </a:endParaRPr>
-                    </a:p>
-                  </a:txBody>
-                  <a:tcPr marL="9525" marR="9525" marT="9525" marB="0" anchor="ctr"/>
-                </a:tc>
-                <a:tc>
-                  <a:txBody>
-                    <a:bodyPr/>
-                    <a:lstStyle/>
-                    <a:p>
-                      <a:pPr algn="r" fontAlgn="ctr"/>
-                      <a:r>
-                        <a:rPr lang="en-US" altLang="zh-TW" sz="1400" u="none" strike="noStrike">
-                          <a:effectLst/>
-                        </a:rPr>
-                        <a:t>6.8046875</a:t>
-                      </a:r>
-                      <a:endParaRPr lang="en-US" altLang="zh-TW" sz="1400" b="0" i="0" u="none" strike="noStrike">
-                        <a:solidFill>
-                          <a:srgbClr val="000000"/>
-                        </a:solidFill>
-                        <a:effectLst/>
-                        <a:latin typeface="新細明體" panose="02020500000000000000" pitchFamily="18" charset="-120"/>
-                        <a:ea typeface="新細明體" panose="02020500000000000000" pitchFamily="18" charset="-120"/>
-                      </a:endParaRPr>
-                    </a:p>
-                  </a:txBody>
-                  <a:tcPr marL="9525" marR="9525" marT="9525" marB="0" anchor="ctr"/>
-                </a:tc>
-                <a:extLst>
-                  <a:ext uri="{0D108BD9-81ED-4DB2-BD59-A6C34878D82A}">
-                    <a16:rowId xmlns:a16="http://schemas.microsoft.com/office/drawing/2014/main" val="3385392663"/>
-                  </a:ext>
-                </a:extLst>
-              </a:tr>
-              <a:tr h="363913">
-                <a:tc>
-                  <a:txBody>
-                    <a:bodyPr/>
-                    <a:lstStyle/>
-                    <a:p>
-                      <a:pPr algn="l" fontAlgn="ctr"/>
-                      <a:r>
-                        <a:rPr lang="en-US" sz="1400" u="none" strike="noStrike">
-                          <a:effectLst/>
-                        </a:rPr>
-                        <a:t>MDSR_v2</a:t>
-                      </a:r>
-                      <a:endParaRPr lang="en-US" sz="1400" b="0" i="0" u="none" strike="noStrike">
-                        <a:solidFill>
-                          <a:srgbClr val="000000"/>
-                        </a:solidFill>
-                        <a:effectLst/>
-                        <a:latin typeface="新細明體" panose="02020500000000000000" pitchFamily="18" charset="-120"/>
-                        <a:ea typeface="新細明體" panose="02020500000000000000" pitchFamily="18" charset="-120"/>
-                      </a:endParaRPr>
-                    </a:p>
-                  </a:txBody>
-                  <a:tcPr marL="9525" marR="9525" marT="9525" marB="0" anchor="ctr"/>
-                </a:tc>
-                <a:tc>
-                  <a:txBody>
-                    <a:bodyPr/>
-                    <a:lstStyle/>
-                    <a:p>
-                      <a:pPr algn="r" fontAlgn="ctr"/>
-                      <a:r>
-                        <a:rPr lang="en-US" altLang="zh-TW" sz="1400" u="none" strike="noStrike" dirty="0">
-                          <a:effectLst/>
-                        </a:rPr>
-                        <a:t>35.659</a:t>
-                      </a:r>
-                      <a:endParaRPr lang="en-US" altLang="zh-TW" sz="1400" b="0" i="0" u="none" strike="noStrike" dirty="0">
-                        <a:solidFill>
-                          <a:srgbClr val="000000"/>
-                        </a:solidFill>
-                        <a:effectLst/>
-                        <a:latin typeface="新細明體" panose="02020500000000000000" pitchFamily="18" charset="-120"/>
-                        <a:ea typeface="新細明體" panose="02020500000000000000" pitchFamily="18" charset="-120"/>
-                      </a:endParaRPr>
-                    </a:p>
-                  </a:txBody>
-                  <a:tcPr marL="9525" marR="9525" marT="9525" marB="0" anchor="ctr"/>
-                </a:tc>
-                <a:tc>
-                  <a:txBody>
-                    <a:bodyPr/>
-                    <a:lstStyle/>
-                    <a:p>
-                      <a:pPr algn="r" fontAlgn="ctr"/>
-                      <a:r>
-                        <a:rPr lang="en-US" altLang="zh-TW" sz="1400" u="none" strike="noStrike">
-                          <a:effectLst/>
-                        </a:rPr>
-                        <a:t>24.88183594</a:t>
-                      </a:r>
-                      <a:endParaRPr lang="en-US" altLang="zh-TW" sz="1400" b="0" i="0" u="none" strike="noStrike">
-                        <a:solidFill>
-                          <a:srgbClr val="000000"/>
-                        </a:solidFill>
-                        <a:effectLst/>
-                        <a:latin typeface="新細明體" panose="02020500000000000000" pitchFamily="18" charset="-120"/>
-                        <a:ea typeface="新細明體" panose="02020500000000000000" pitchFamily="18" charset="-120"/>
-                      </a:endParaRPr>
-                    </a:p>
-                  </a:txBody>
-                  <a:tcPr marL="9525" marR="9525" marT="9525" marB="0" anchor="ctr"/>
-                </a:tc>
-                <a:extLst>
-                  <a:ext uri="{0D108BD9-81ED-4DB2-BD59-A6C34878D82A}">
-                    <a16:rowId xmlns:a16="http://schemas.microsoft.com/office/drawing/2014/main" val="532109401"/>
-                  </a:ext>
-                </a:extLst>
-              </a:tr>
-              <a:tr h="363913">
-                <a:tc>
-                  <a:txBody>
-                    <a:bodyPr/>
-                    <a:lstStyle/>
-                    <a:p>
-                      <a:pPr algn="l" fontAlgn="ctr"/>
-                      <a:r>
-                        <a:rPr lang="en-US" sz="1400" u="none" strike="noStrike">
-                          <a:effectLst/>
-                        </a:rPr>
-                        <a:t>WDSR-A</a:t>
-                      </a:r>
-                      <a:endParaRPr lang="en-US" sz="1400" b="0" i="0" u="none" strike="noStrike">
-                        <a:solidFill>
-                          <a:srgbClr val="000000"/>
-                        </a:solidFill>
-                        <a:effectLst/>
-                        <a:latin typeface="Calibri" panose="020F0502020204030204" pitchFamily="34" charset="0"/>
-                        <a:ea typeface="新細明體" panose="02020500000000000000" pitchFamily="18" charset="-120"/>
-                      </a:endParaRPr>
-                    </a:p>
-                  </a:txBody>
-                  <a:tcPr marL="9525" marR="9525" marT="9525" marB="0" anchor="ctr"/>
-                </a:tc>
-                <a:tc>
-                  <a:txBody>
-                    <a:bodyPr/>
-                    <a:lstStyle/>
-                    <a:p>
-                      <a:pPr algn="r" fontAlgn="ctr"/>
-                      <a:r>
-                        <a:rPr lang="en-US" altLang="zh-TW" sz="1400" u="none" strike="noStrike" dirty="0">
-                          <a:effectLst/>
-                        </a:rPr>
-                        <a:t>35.342</a:t>
-                      </a:r>
-                      <a:endParaRPr lang="en-US" altLang="zh-TW" sz="1400" b="0" i="0" u="none" strike="noStrike" dirty="0">
-                        <a:solidFill>
-                          <a:srgbClr val="000000"/>
-                        </a:solidFill>
-                        <a:effectLst/>
-                        <a:latin typeface="新細明體" panose="02020500000000000000" pitchFamily="18" charset="-120"/>
-                        <a:ea typeface="新細明體" panose="02020500000000000000" pitchFamily="18" charset="-120"/>
-                      </a:endParaRPr>
-                    </a:p>
-                  </a:txBody>
-                  <a:tcPr marL="9525" marR="9525" marT="9525" marB="0" anchor="ctr"/>
-                </a:tc>
-                <a:tc>
-                  <a:txBody>
-                    <a:bodyPr/>
-                    <a:lstStyle/>
-                    <a:p>
-                      <a:pPr algn="r" fontAlgn="ctr"/>
-                      <a:r>
-                        <a:rPr lang="en-US" altLang="zh-TW" sz="1400" u="none" strike="noStrike" dirty="0">
-                          <a:effectLst/>
-                        </a:rPr>
-                        <a:t>4.557617188</a:t>
-                      </a:r>
-                      <a:endParaRPr lang="en-US" altLang="zh-TW" sz="1400" b="0" i="0" u="none" strike="noStrike" dirty="0">
-                        <a:solidFill>
-                          <a:srgbClr val="000000"/>
-                        </a:solidFill>
-                        <a:effectLst/>
-                        <a:latin typeface="新細明體" panose="02020500000000000000" pitchFamily="18" charset="-120"/>
-                        <a:ea typeface="新細明體" panose="02020500000000000000" pitchFamily="18" charset="-120"/>
-                      </a:endParaRPr>
-                    </a:p>
-                  </a:txBody>
-                  <a:tcPr marL="9525" marR="9525" marT="9525" marB="0" anchor="ctr"/>
-                </a:tc>
-                <a:extLst>
-                  <a:ext uri="{0D108BD9-81ED-4DB2-BD59-A6C34878D82A}">
-                    <a16:rowId xmlns:a16="http://schemas.microsoft.com/office/drawing/2014/main" val="3386494626"/>
-                  </a:ext>
-                </a:extLst>
-              </a:tr>
-              <a:tr h="363913">
-                <a:tc>
-                  <a:txBody>
-                    <a:bodyPr/>
-                    <a:lstStyle/>
-                    <a:p>
-                      <a:pPr algn="l" fontAlgn="ctr"/>
-                      <a:r>
-                        <a:rPr lang="en-US" sz="1400" u="none" strike="noStrike" dirty="0">
-                          <a:effectLst/>
-                        </a:rPr>
-                        <a:t>WDSR-b</a:t>
-                      </a:r>
-                      <a:endParaRPr lang="en-US" sz="1400" b="0" i="0" u="none" strike="noStrike" dirty="0">
-                        <a:solidFill>
-                          <a:srgbClr val="000000"/>
-                        </a:solidFill>
-                        <a:effectLst/>
-                        <a:latin typeface="Calibri" panose="020F0502020204030204" pitchFamily="34" charset="0"/>
-                        <a:ea typeface="新細明體" panose="02020500000000000000" pitchFamily="18" charset="-120"/>
-                      </a:endParaRPr>
-                    </a:p>
-                  </a:txBody>
-                  <a:tcPr marL="9525" marR="9525" marT="9525" marB="0" anchor="ctr"/>
-                </a:tc>
-                <a:tc>
-                  <a:txBody>
-                    <a:bodyPr/>
-                    <a:lstStyle/>
-                    <a:p>
-                      <a:pPr algn="r" fontAlgn="ctr"/>
-                      <a:r>
-                        <a:rPr lang="en-US" altLang="zh-TW" sz="1400" u="none" strike="noStrike" dirty="0">
-                          <a:effectLst/>
-                        </a:rPr>
-                        <a:t>34.967</a:t>
-                      </a:r>
-                      <a:endParaRPr lang="en-US" altLang="zh-TW" sz="1400" b="0" i="0" u="none" strike="noStrike" dirty="0">
-                        <a:solidFill>
-                          <a:srgbClr val="000000"/>
-                        </a:solidFill>
-                        <a:effectLst/>
-                        <a:latin typeface="新細明體" panose="02020500000000000000" pitchFamily="18" charset="-120"/>
-                        <a:ea typeface="新細明體" panose="02020500000000000000" pitchFamily="18" charset="-120"/>
-                      </a:endParaRPr>
-                    </a:p>
-                  </a:txBody>
-                  <a:tcPr marL="9525" marR="9525" marT="9525" marB="0" anchor="ctr"/>
-                </a:tc>
-                <a:tc>
-                  <a:txBody>
-                    <a:bodyPr/>
-                    <a:lstStyle/>
-                    <a:p>
-                      <a:pPr algn="r" fontAlgn="ctr"/>
-                      <a:r>
-                        <a:rPr lang="en-US" altLang="zh-TW" sz="1400" u="none" strike="noStrike" dirty="0">
-                          <a:effectLst/>
-                        </a:rPr>
-                        <a:t>1.18359375</a:t>
-                      </a:r>
-                      <a:endParaRPr lang="en-US" altLang="zh-TW" sz="1400" b="0" i="0" u="none" strike="noStrike" dirty="0">
-                        <a:solidFill>
-                          <a:srgbClr val="000000"/>
-                        </a:solidFill>
-                        <a:effectLst/>
-                        <a:latin typeface="新細明體" panose="02020500000000000000" pitchFamily="18" charset="-120"/>
-                        <a:ea typeface="新細明體" panose="02020500000000000000" pitchFamily="18" charset="-120"/>
-                      </a:endParaRPr>
-                    </a:p>
-                  </a:txBody>
-                  <a:tcPr marL="9525" marR="9525" marT="9525" marB="0" anchor="ctr"/>
-                </a:tc>
-                <a:extLst>
-                  <a:ext uri="{0D108BD9-81ED-4DB2-BD59-A6C34878D82A}">
-                    <a16:rowId xmlns:a16="http://schemas.microsoft.com/office/drawing/2014/main" val="2620567208"/>
-                  </a:ext>
-                </a:extLst>
-              </a:tr>
-              <a:tr h="363913">
-                <a:tc>
-                  <a:txBody>
-                    <a:bodyPr/>
-                    <a:lstStyle/>
-                    <a:p>
-                      <a:pPr algn="l" fontAlgn="ctr"/>
-                      <a:r>
-                        <a:rPr lang="en-US" sz="1400" u="none" strike="noStrike" dirty="0">
-                          <a:effectLst/>
-                        </a:rPr>
-                        <a:t>WDSR-b_v2</a:t>
-                      </a:r>
-                      <a:endParaRPr lang="en-US" sz="1400" b="0" i="0" u="none" strike="noStrike" dirty="0">
-                        <a:solidFill>
-                          <a:srgbClr val="000000"/>
-                        </a:solidFill>
-                        <a:effectLst/>
-                        <a:latin typeface="Calibri" panose="020F0502020204030204" pitchFamily="34" charset="0"/>
-                        <a:ea typeface="新細明體" panose="02020500000000000000" pitchFamily="18" charset="-120"/>
-                      </a:endParaRPr>
-                    </a:p>
-                  </a:txBody>
-                  <a:tcPr marL="9525" marR="9525" marT="9525" marB="0" anchor="ctr"/>
-                </a:tc>
-                <a:tc>
-                  <a:txBody>
-                    <a:bodyPr/>
-                    <a:lstStyle/>
-                    <a:p>
-                      <a:pPr algn="r" fontAlgn="ctr"/>
-                      <a:r>
-                        <a:rPr lang="en-US" altLang="zh-TW" sz="1400" u="none" strike="noStrike">
-                          <a:effectLst/>
-                        </a:rPr>
-                        <a:t>35.014</a:t>
-                      </a:r>
-                      <a:endParaRPr lang="en-US" altLang="zh-TW" sz="1400" b="0" i="0" u="none" strike="noStrike">
-                        <a:solidFill>
-                          <a:srgbClr val="000000"/>
-                        </a:solidFill>
-                        <a:effectLst/>
-                        <a:latin typeface="新細明體" panose="02020500000000000000" pitchFamily="18" charset="-120"/>
-                        <a:ea typeface="新細明體" panose="02020500000000000000" pitchFamily="18" charset="-120"/>
-                      </a:endParaRPr>
-                    </a:p>
-                  </a:txBody>
-                  <a:tcPr marL="9525" marR="9525" marT="9525" marB="0" anchor="ctr"/>
-                </a:tc>
-                <a:tc>
-                  <a:txBody>
-                    <a:bodyPr/>
-                    <a:lstStyle/>
-                    <a:p>
-                      <a:pPr algn="r" fontAlgn="ctr"/>
-                      <a:r>
-                        <a:rPr lang="en-US" altLang="zh-TW" sz="1400" u="none" strike="noStrike" dirty="0">
-                          <a:effectLst/>
-                        </a:rPr>
-                        <a:t>1.18359375</a:t>
-                      </a:r>
-                      <a:endParaRPr lang="en-US" altLang="zh-TW" sz="1400" b="0" i="0" u="none" strike="noStrike" dirty="0">
-                        <a:solidFill>
-                          <a:srgbClr val="000000"/>
-                        </a:solidFill>
-                        <a:effectLst/>
-                        <a:latin typeface="新細明體" panose="02020500000000000000" pitchFamily="18" charset="-120"/>
-                        <a:ea typeface="新細明體" panose="02020500000000000000" pitchFamily="18" charset="-120"/>
-                      </a:endParaRPr>
-                    </a:p>
-                  </a:txBody>
-                  <a:tcPr marL="9525" marR="9525" marT="9525" marB="0" anchor="ctr"/>
-                </a:tc>
-                <a:extLst>
-                  <a:ext uri="{0D108BD9-81ED-4DB2-BD59-A6C34878D82A}">
-                    <a16:rowId xmlns:a16="http://schemas.microsoft.com/office/drawing/2014/main" val="3484558685"/>
-                  </a:ext>
-                </a:extLst>
-              </a:tr>
-              <a:tr h="363913">
-                <a:tc>
-                  <a:txBody>
-                    <a:bodyPr/>
-                    <a:lstStyle/>
-                    <a:p>
-                      <a:pPr algn="l" fontAlgn="ctr"/>
-                      <a:r>
-                        <a:rPr lang="en-US" sz="1400" u="none" strike="noStrike">
-                          <a:effectLst/>
-                        </a:rPr>
-                        <a:t>proSR</a:t>
-                      </a:r>
-                      <a:endParaRPr lang="en-US" sz="1400" b="0" i="0" u="none" strike="noStrike">
-                        <a:solidFill>
-                          <a:srgbClr val="000000"/>
-                        </a:solidFill>
-                        <a:effectLst/>
-                        <a:latin typeface="Calibri" panose="020F0502020204030204" pitchFamily="34" charset="0"/>
-                        <a:ea typeface="新細明體" panose="02020500000000000000" pitchFamily="18" charset="-120"/>
-                      </a:endParaRPr>
-                    </a:p>
-                  </a:txBody>
-                  <a:tcPr marL="9525" marR="9525" marT="9525" marB="0" anchor="ctr"/>
-                </a:tc>
-                <a:tc>
-                  <a:txBody>
-                    <a:bodyPr/>
-                    <a:lstStyle/>
-                    <a:p>
-                      <a:pPr algn="r" fontAlgn="ctr"/>
-                      <a:r>
-                        <a:rPr lang="en-US" altLang="zh-TW" sz="1400" u="none" strike="noStrike">
-                          <a:effectLst/>
-                        </a:rPr>
-                        <a:t>36.12</a:t>
-                      </a:r>
-                      <a:endParaRPr lang="en-US" altLang="zh-TW" sz="1400" b="0" i="0" u="none" strike="noStrike">
-                        <a:solidFill>
-                          <a:srgbClr val="000000"/>
-                        </a:solidFill>
-                        <a:effectLst/>
-                        <a:latin typeface="新細明體" panose="02020500000000000000" pitchFamily="18" charset="-120"/>
-                        <a:ea typeface="新細明體" panose="02020500000000000000" pitchFamily="18" charset="-120"/>
-                      </a:endParaRPr>
-                    </a:p>
-                  </a:txBody>
-                  <a:tcPr marL="9525" marR="9525" marT="9525" marB="0" anchor="ctr"/>
-                </a:tc>
-                <a:tc>
-                  <a:txBody>
-                    <a:bodyPr/>
-                    <a:lstStyle/>
-                    <a:p>
-                      <a:pPr algn="r" fontAlgn="ctr"/>
-                      <a:r>
-                        <a:rPr lang="en-US" altLang="zh-TW" sz="1400" u="none" strike="noStrike" dirty="0">
-                          <a:effectLst/>
-                        </a:rPr>
-                        <a:t>118.6640625</a:t>
-                      </a:r>
-                      <a:endParaRPr lang="en-US" altLang="zh-TW" sz="1400" b="0" i="0" u="none" strike="noStrike" dirty="0">
-                        <a:solidFill>
-                          <a:srgbClr val="000000"/>
-                        </a:solidFill>
-                        <a:effectLst/>
-                        <a:latin typeface="新細明體" panose="02020500000000000000" pitchFamily="18" charset="-120"/>
-                        <a:ea typeface="新細明體" panose="02020500000000000000" pitchFamily="18" charset="-120"/>
-                      </a:endParaRPr>
-                    </a:p>
-                  </a:txBody>
-                  <a:tcPr marL="9525" marR="9525" marT="9525" marB="0" anchor="ctr"/>
-                </a:tc>
-                <a:extLst>
-                  <a:ext uri="{0D108BD9-81ED-4DB2-BD59-A6C34878D82A}">
-                    <a16:rowId xmlns:a16="http://schemas.microsoft.com/office/drawing/2014/main" val="3065041767"/>
-                  </a:ext>
-                </a:extLst>
-              </a:tr>
-            </a:tbl>
-          </a:graphicData>
-        </a:graphic>
-      </p:graphicFrame>
-    </p:spTree>
-    <p:extLst>
-      <p:ext uri="{BB962C8B-B14F-4D97-AF65-F5344CB8AC3E}">
-        <p14:creationId xmlns:p14="http://schemas.microsoft.com/office/powerpoint/2010/main" val="3496572248"/>
-      </p:ext>
-    </p:extLst>
-  </p:cSld>
-  <p:clrMapOvr>
-    <a:masterClrMapping/>
-  </p:clrMapOvr>
-</p:sld>
-</file>
-
-<file path=ppt/slides/slide7.xml><?xml version="1.0" encoding="utf-8"?>
-<p:sld xmlns:a="http://schemas.openxmlformats.org/drawingml/2006/main" xmlns:r="http://schemas.openxmlformats.org/officeDocument/2006/relationships" xmlns:p="http://schemas.openxmlformats.org/presentationml/2006/main">
-  <p:cSld>
-    <p:spTree>
-      <p:nvGrpSpPr>
-        <p:cNvPr id="1" name=""/>
-        <p:cNvGrpSpPr/>
-        <p:nvPr/>
-      </p:nvGrpSpPr>
-      <p:grpSpPr>
-        <a:xfrm>
-          <a:off x="0" y="0"/>
-          <a:ext cx="0" cy="0"/>
-          <a:chOff x="0" y="0"/>
-          <a:chExt cx="0" cy="0"/>
-        </a:xfrm>
-      </p:grpSpPr>
-      <p:sp>
-        <p:nvSpPr>
-          <p:cNvPr id="3" name="副標題 2"/>
-          <p:cNvSpPr>
-            <a:spLocks noGrp="1"/>
-          </p:cNvSpPr>
-          <p:nvPr>
-            <p:ph type="subTitle" idx="1"/>
-          </p:nvPr>
-        </p:nvSpPr>
-        <p:spPr>
-          <a:xfrm>
-            <a:off x="809104" y="706581"/>
-            <a:ext cx="9144000" cy="4580313"/>
-          </a:xfrm>
-        </p:spPr>
-        <p:txBody>
-          <a:bodyPr>
-            <a:normAutofit/>
-          </a:bodyPr>
-          <a:lstStyle/>
-          <a:p>
-            <a:pPr algn="l"/>
-            <a:r>
-              <a:rPr lang="en-US" altLang="zh-TW" sz="3600" dirty="0"/>
-              <a:t>Super Resolution </a:t>
-            </a:r>
-            <a:r>
-              <a:rPr lang="en-US" altLang="zh-TW" sz="2400" dirty="0" smtClean="0"/>
-              <a:t> </a:t>
-            </a:r>
-          </a:p>
-          <a:p>
-            <a:pPr marL="342900" indent="-342900" algn="l">
-              <a:buFont typeface="Arial" panose="020B0604020202020204" pitchFamily="34" charset="0"/>
-              <a:buChar char="•"/>
-            </a:pPr>
-            <a:r>
-              <a:rPr lang="en-US" altLang="zh-TW" sz="2400" dirty="0" smtClean="0"/>
-              <a:t>CPU inference:</a:t>
-            </a:r>
-            <a:r>
-              <a:rPr lang="zh-TW" altLang="en-US" sz="2400" dirty="0" smtClean="0"/>
-              <a:t> </a:t>
-            </a:r>
-            <a:r>
-              <a:rPr lang="en-US" altLang="zh-TW" sz="2400" dirty="0" smtClean="0"/>
-              <a:t>2356.12</a:t>
-            </a:r>
-          </a:p>
-          <a:p>
-            <a:pPr marL="342900" indent="-342900" algn="l">
-              <a:buFont typeface="Arial" panose="020B0604020202020204" pitchFamily="34" charset="0"/>
-              <a:buChar char="•"/>
-            </a:pPr>
-            <a:r>
-              <a:rPr lang="en-US" altLang="zh-TW" sz="2400" dirty="0" smtClean="0"/>
-              <a:t>CPU PSNR: 33.6466</a:t>
-            </a:r>
-          </a:p>
-          <a:p>
-            <a:pPr marL="342900" indent="-342900" algn="l">
-              <a:buFont typeface="Arial" panose="020B0604020202020204" pitchFamily="34" charset="0"/>
-              <a:buChar char="•"/>
-            </a:pPr>
-            <a:r>
-              <a:rPr lang="en-US" altLang="zh-TW" sz="2400" dirty="0" smtClean="0"/>
-              <a:t>GPU inference: 21.31</a:t>
-            </a:r>
-          </a:p>
-          <a:p>
-            <a:pPr marL="285750" indent="-285750" algn="l">
-              <a:buFont typeface="Arial" panose="020B0604020202020204" pitchFamily="34" charset="0"/>
-              <a:buChar char="•"/>
-            </a:pPr>
-            <a:r>
-              <a:rPr lang="en-US" altLang="zh-TW" sz="2400" dirty="0" smtClean="0"/>
-              <a:t> GPU PSNR: 33.6466</a:t>
-            </a:r>
-          </a:p>
-          <a:p>
-            <a:pPr marL="285750" indent="-285750" algn="l">
-              <a:buFont typeface="Arial" panose="020B0604020202020204" pitchFamily="34" charset="0"/>
-              <a:buChar char="•"/>
-            </a:pPr>
-            <a:r>
-              <a:rPr lang="en-US" altLang="zh-TW" sz="2400" dirty="0" smtClean="0"/>
-              <a:t>Number of weight: 229036</a:t>
-            </a:r>
-          </a:p>
-          <a:p>
-            <a:pPr marL="285750" indent="-285750" algn="l">
-              <a:buFont typeface="Arial" panose="020B0604020202020204" pitchFamily="34" charset="0"/>
-              <a:buChar char="•"/>
-            </a:pPr>
-            <a:r>
-              <a:rPr lang="en-US" altLang="zh-TW" sz="2400" dirty="0" smtClean="0"/>
-              <a:t>Model size : 0.8737</a:t>
-            </a:r>
-          </a:p>
-          <a:p>
-            <a:pPr marL="285750" indent="-285750" algn="l">
-              <a:buFont typeface="Arial" panose="020B0604020202020204" pitchFamily="34" charset="0"/>
-              <a:buChar char="•"/>
-            </a:pPr>
-            <a:endParaRPr lang="en-US" altLang="zh-TW" sz="2400" dirty="0" smtClean="0"/>
-          </a:p>
-          <a:p>
-            <a:pPr marL="285750" indent="-285750" algn="l">
-              <a:buFont typeface="Arial" panose="020B0604020202020204" pitchFamily="34" charset="0"/>
-              <a:buChar char="•"/>
-            </a:pPr>
-            <a:endParaRPr lang="en-US" altLang="zh-TW" dirty="0" smtClean="0"/>
-          </a:p>
-        </p:txBody>
-      </p:sp>
-    </p:spTree>
-    <p:extLst>
-      <p:ext uri="{BB962C8B-B14F-4D97-AF65-F5344CB8AC3E}">
-        <p14:creationId xmlns:p14="http://schemas.microsoft.com/office/powerpoint/2010/main" val="3425160427"/>
-      </p:ext>
-    </p:extLst>
-  </p:cSld>
-  <p:clrMapOvr>
-    <a:masterClrMapping/>
-  </p:clrMapOvr>
-</p:sld>
-</file>
-
-<file path=ppt/slides/slide8.xml><?xml version="1.0" encoding="utf-8"?>
-<p:sld xmlns:a="http://schemas.openxmlformats.org/drawingml/2006/main" xmlns:r="http://schemas.openxmlformats.org/officeDocument/2006/relationships" xmlns:p="http://schemas.openxmlformats.org/presentationml/2006/main">
-  <p:cSld>
-    <p:spTree>
-      <p:nvGrpSpPr>
-        <p:cNvPr id="1" name=""/>
-        <p:cNvGrpSpPr/>
-        <p:nvPr/>
-      </p:nvGrpSpPr>
-      <p:grpSpPr>
-        <a:xfrm>
-          <a:off x="0" y="0"/>
-          <a:ext cx="0" cy="0"/>
-          <a:chOff x="0" y="0"/>
-          <a:chExt cx="0" cy="0"/>
-        </a:xfrm>
-      </p:grpSpPr>
-      <p:sp>
-        <p:nvSpPr>
-          <p:cNvPr id="3" name="副標題 2"/>
-          <p:cNvSpPr>
-            <a:spLocks noGrp="1"/>
-          </p:cNvSpPr>
-          <p:nvPr>
-            <p:ph type="subTitle" idx="1"/>
-          </p:nvPr>
-        </p:nvSpPr>
-        <p:spPr>
-          <a:xfrm>
-            <a:off x="809104" y="706581"/>
-            <a:ext cx="9144000" cy="4580313"/>
-          </a:xfrm>
-        </p:spPr>
-        <p:txBody>
-          <a:bodyPr>
-            <a:normAutofit fontScale="92500" lnSpcReduction="10000"/>
-          </a:bodyPr>
-          <a:lstStyle/>
-          <a:p>
-            <a:pPr algn="l"/>
-            <a:r>
-              <a:rPr lang="en-US" altLang="zh-TW" sz="3600" dirty="0"/>
-              <a:t>Object </a:t>
-            </a:r>
-            <a:r>
-              <a:rPr lang="en-US" altLang="zh-TW" sz="3600" dirty="0" err="1"/>
-              <a:t>Dection</a:t>
-            </a:r>
-            <a:endParaRPr lang="en-US" altLang="zh-TW" sz="3600" dirty="0"/>
-          </a:p>
-          <a:p>
-            <a:pPr marL="285750" indent="-285750" algn="l">
-              <a:buFont typeface="Arial" panose="020B0604020202020204" pitchFamily="34" charset="0"/>
-              <a:buChar char="•"/>
-            </a:pPr>
-            <a:r>
-              <a:rPr lang="en-US" altLang="zh-TW" sz="2400" dirty="0" smtClean="0"/>
-              <a:t> Dataset: clothes 2000 pieces</a:t>
-            </a:r>
-          </a:p>
-          <a:p>
-            <a:pPr marL="285750" indent="-285750" algn="l">
-              <a:buFont typeface="Arial" panose="020B0604020202020204" pitchFamily="34" charset="0"/>
-              <a:buChar char="•"/>
-            </a:pPr>
-            <a:r>
-              <a:rPr lang="en-US" altLang="zh-TW" sz="2400" dirty="0" smtClean="0"/>
-              <a:t> Model:tiny-yolo-v3</a:t>
-            </a:r>
-          </a:p>
-          <a:p>
-            <a:pPr marL="285750" lvl="0" indent="-285750" algn="l">
-              <a:buFont typeface="Arial" panose="020B0604020202020204" pitchFamily="34" charset="0"/>
-              <a:buChar char="•"/>
-            </a:pPr>
-            <a:r>
-              <a:rPr lang="en-US" altLang="zh-TW" sz="2400" dirty="0" smtClean="0"/>
-              <a:t>CPU f-score: </a:t>
-            </a:r>
-            <a:r>
-              <a:rPr lang="zh-TW" altLang="zh-TW" sz="2400" dirty="0">
-                <a:solidFill>
-                  <a:srgbClr val="000000"/>
-                </a:solidFill>
-                <a:latin typeface="Arial Unicode MS" panose="020B0604020202020204" pitchFamily="34" charset="-120"/>
-              </a:rPr>
-              <a:t>0.</a:t>
-            </a:r>
-            <a:r>
-              <a:rPr lang="zh-TW" altLang="zh-TW" sz="2400" dirty="0" smtClean="0">
-                <a:solidFill>
-                  <a:srgbClr val="000000"/>
-                </a:solidFill>
-                <a:latin typeface="Arial Unicode MS" panose="020B0604020202020204" pitchFamily="34" charset="-120"/>
-              </a:rPr>
-              <a:t>4892511825659466</a:t>
-            </a:r>
-            <a:endParaRPr lang="en-US" altLang="zh-TW" sz="2400" dirty="0" smtClean="0">
-              <a:solidFill>
-                <a:schemeClr val="tx1"/>
-              </a:solidFill>
-            </a:endParaRPr>
-          </a:p>
-          <a:p>
-            <a:pPr marL="285750" lvl="0" indent="-285750" algn="l">
-              <a:buFont typeface="Arial" panose="020B0604020202020204" pitchFamily="34" charset="0"/>
-              <a:buChar char="•"/>
-            </a:pPr>
-            <a:r>
-              <a:rPr lang="en-US" altLang="zh-TW" sz="2400" dirty="0" smtClean="0"/>
-              <a:t>GPU f-score:  </a:t>
-            </a:r>
-            <a:r>
-              <a:rPr lang="zh-TW" altLang="zh-TW" sz="2400" dirty="0">
-                <a:solidFill>
-                  <a:srgbClr val="000000"/>
-                </a:solidFill>
-                <a:latin typeface="Arial Unicode MS" panose="020B0604020202020204" pitchFamily="34" charset="-120"/>
-              </a:rPr>
-              <a:t>0.4892511825659466</a:t>
-            </a:r>
-            <a:r>
-              <a:rPr lang="zh-TW" altLang="zh-TW" sz="2400" dirty="0">
-                <a:solidFill>
-                  <a:schemeClr val="tx1"/>
-                </a:solidFill>
-              </a:rPr>
-              <a:t> </a:t>
-            </a:r>
-            <a:endParaRPr lang="zh-TW" altLang="zh-TW" sz="4800" dirty="0">
-              <a:solidFill>
-                <a:schemeClr val="tx1"/>
-              </a:solidFill>
-              <a:latin typeface="Arial" panose="020B0604020202020204" pitchFamily="34" charset="0"/>
-            </a:endParaRPr>
-          </a:p>
-          <a:p>
-            <a:pPr marL="285750" lvl="0" indent="-285750" algn="l">
-              <a:buFont typeface="Arial" panose="020B0604020202020204" pitchFamily="34" charset="0"/>
-              <a:buChar char="•"/>
-            </a:pPr>
-            <a:r>
-              <a:rPr lang="en-US" altLang="zh-TW" sz="2400" dirty="0" smtClean="0"/>
-              <a:t>CPU </a:t>
-            </a:r>
-            <a:r>
-              <a:rPr lang="en-US" altLang="zh-TW" sz="2400" dirty="0"/>
-              <a:t>inference time : </a:t>
-            </a:r>
-            <a:r>
-              <a:rPr lang="zh-TW" altLang="zh-TW" sz="2400" dirty="0">
-                <a:solidFill>
-                  <a:srgbClr val="000000"/>
-                </a:solidFill>
-                <a:latin typeface="Arial Unicode MS" panose="020B0604020202020204" pitchFamily="34" charset="-120"/>
-              </a:rPr>
-              <a:t>27.218275785446167</a:t>
-            </a:r>
-            <a:r>
-              <a:rPr lang="zh-TW" altLang="zh-TW" sz="2400" dirty="0">
-                <a:solidFill>
-                  <a:schemeClr val="tx1"/>
-                </a:solidFill>
-              </a:rPr>
-              <a:t> </a:t>
-            </a:r>
-            <a:endParaRPr lang="en-US" altLang="zh-TW" sz="2400" dirty="0" smtClean="0"/>
-          </a:p>
-          <a:p>
-            <a:pPr marL="285750" lvl="0" indent="-285750" algn="l">
-              <a:buFont typeface="Arial" panose="020B0604020202020204" pitchFamily="34" charset="0"/>
-              <a:buChar char="•"/>
-            </a:pPr>
-            <a:r>
-              <a:rPr lang="en-US" altLang="zh-TW" sz="2400" dirty="0"/>
-              <a:t>G</a:t>
-            </a:r>
-            <a:r>
-              <a:rPr lang="en-US" altLang="zh-TW" sz="2400" dirty="0" smtClean="0"/>
-              <a:t>PU </a:t>
-            </a:r>
-            <a:r>
-              <a:rPr lang="en-US" altLang="zh-TW" sz="2400" dirty="0"/>
-              <a:t>inference </a:t>
-            </a:r>
-            <a:r>
-              <a:rPr lang="en-US" altLang="zh-TW" sz="2400" dirty="0" smtClean="0"/>
-              <a:t>time: </a:t>
-            </a:r>
-            <a:r>
-              <a:rPr lang="zh-TW" altLang="zh-TW" sz="2400" dirty="0">
-                <a:solidFill>
-                  <a:srgbClr val="000000"/>
-                </a:solidFill>
-                <a:latin typeface="Arial Unicode MS" panose="020B0604020202020204" pitchFamily="34" charset="-120"/>
-              </a:rPr>
-              <a:t>2.3918251991271973</a:t>
-            </a:r>
-            <a:r>
-              <a:rPr lang="zh-TW" altLang="zh-TW" sz="2400" dirty="0">
-                <a:solidFill>
-                  <a:schemeClr val="tx1"/>
-                </a:solidFill>
-              </a:rPr>
-              <a:t> </a:t>
-            </a:r>
-            <a:endParaRPr lang="en-US" altLang="zh-TW" sz="2400" dirty="0" smtClean="0"/>
-          </a:p>
-          <a:p>
-            <a:pPr marL="285750" lvl="0" indent="-285750" algn="l">
-              <a:buFont typeface="Arial" panose="020B0604020202020204" pitchFamily="34" charset="0"/>
-              <a:buChar char="•"/>
-            </a:pPr>
-            <a:r>
-              <a:rPr lang="en-US" altLang="zh-TW" sz="2400" dirty="0" smtClean="0"/>
-              <a:t>Number </a:t>
-            </a:r>
-            <a:r>
-              <a:rPr lang="en-US" altLang="zh-TW" sz="2400" dirty="0"/>
-              <a:t>of weight: </a:t>
-            </a:r>
-            <a:r>
-              <a:rPr lang="zh-TW" altLang="zh-TW" sz="2400" dirty="0">
-                <a:solidFill>
-                  <a:srgbClr val="000000"/>
-                </a:solidFill>
-                <a:latin typeface="Arial Unicode MS" panose="020B0604020202020204" pitchFamily="34" charset="-120"/>
-              </a:rPr>
-              <a:t>8692425.0</a:t>
-            </a:r>
-            <a:r>
-              <a:rPr lang="zh-TW" altLang="zh-TW" sz="2400" dirty="0">
-                <a:solidFill>
-                  <a:schemeClr val="tx1"/>
-                </a:solidFill>
-              </a:rPr>
-              <a:t> </a:t>
-            </a:r>
-            <a:endParaRPr lang="en-US" altLang="zh-TW" sz="2400" dirty="0" smtClean="0"/>
-          </a:p>
-          <a:p>
-            <a:pPr marL="285750" lvl="0" indent="-285750" algn="l">
-              <a:buFont typeface="Arial" panose="020B0604020202020204" pitchFamily="34" charset="0"/>
-              <a:buChar char="•"/>
-            </a:pPr>
-            <a:r>
-              <a:rPr lang="en-US" altLang="zh-TW" sz="2400" dirty="0" smtClean="0"/>
-              <a:t>Model </a:t>
-            </a:r>
-            <a:r>
-              <a:rPr lang="en-US" altLang="zh-TW" sz="2400" dirty="0"/>
-              <a:t>size </a:t>
-            </a:r>
-            <a:r>
-              <a:rPr lang="en-US" altLang="zh-TW" sz="2400" dirty="0" smtClean="0"/>
-              <a:t>= </a:t>
-            </a:r>
-            <a:r>
-              <a:rPr lang="zh-TW" altLang="zh-TW" sz="2400" dirty="0">
-                <a:solidFill>
-                  <a:srgbClr val="000000"/>
-                </a:solidFill>
-                <a:latin typeface="Arial Unicode MS" panose="020B0604020202020204" pitchFamily="34" charset="-120"/>
-              </a:rPr>
-              <a:t>33.15896987915039</a:t>
-            </a:r>
-            <a:r>
-              <a:rPr lang="zh-TW" altLang="zh-TW" sz="2400" dirty="0">
-                <a:solidFill>
-                  <a:schemeClr val="tx1"/>
-                </a:solidFill>
-              </a:rPr>
-              <a:t> </a:t>
-            </a:r>
-            <a:endParaRPr lang="en-US" altLang="zh-TW" sz="2400" dirty="0" smtClean="0"/>
-          </a:p>
-          <a:p>
-            <a:pPr marL="285750" indent="-285750" algn="l">
-              <a:buFont typeface="Arial" panose="020B0604020202020204" pitchFamily="34" charset="0"/>
-              <a:buChar char="•"/>
-            </a:pPr>
-            <a:r>
-              <a:rPr lang="en-US" altLang="zh-TW" sz="2400" dirty="0" smtClean="0"/>
-              <a:t> </a:t>
-            </a:r>
-          </a:p>
-        </p:txBody>
-      </p:sp>
-    </p:spTree>
-    <p:extLst>
-      <p:ext uri="{BB962C8B-B14F-4D97-AF65-F5344CB8AC3E}">
-        <p14:creationId xmlns:p14="http://schemas.microsoft.com/office/powerpoint/2010/main" val="3565811002"/>
-      </p:ext>
-    </p:extLst>
-  </p:cSld>
-  <p:clrMapOvr>
-    <a:masterClrMapping/>
-  </p:clrMapOvr>
-</p:sld>
-</file>
-
-<file path=ppt/slides/slide9.xml><?xml version="1.0" encoding="utf-8"?>
+<file path=ppt/slides/slide10.xml><?xml version="1.0" encoding="utf-8"?>
 <p:sld xmlns:a="http://schemas.openxmlformats.org/drawingml/2006/main" xmlns:r="http://schemas.openxmlformats.org/officeDocument/2006/relationships" xmlns:p="http://schemas.openxmlformats.org/presentationml/2006/main">
   <p:cSld>
     <p:spTree>
@@ -8254,6 +6270,1785 @@
     <p:extLst>
       <p:ext uri="{BB962C8B-B14F-4D97-AF65-F5344CB8AC3E}">
         <p14:creationId xmlns:p14="http://schemas.microsoft.com/office/powerpoint/2010/main" val="1999635358"/>
+      </p:ext>
+    </p:extLst>
+  </p:cSld>
+  <p:clrMapOvr>
+    <a:masterClrMapping/>
+  </p:clrMapOvr>
+</p:sld>
+</file>
+
+<file path=ppt/slides/slide11.xml><?xml version="1.0" encoding="utf-8"?>
+<p:sld xmlns:a="http://schemas.openxmlformats.org/drawingml/2006/main" xmlns:r="http://schemas.openxmlformats.org/officeDocument/2006/relationships" xmlns:p="http://schemas.openxmlformats.org/presentationml/2006/main">
+  <p:cSld>
+    <p:spTree>
+      <p:nvGrpSpPr>
+        <p:cNvPr id="1" name=""/>
+        <p:cNvGrpSpPr/>
+        <p:nvPr/>
+      </p:nvGrpSpPr>
+      <p:grpSpPr>
+        <a:xfrm>
+          <a:off x="0" y="0"/>
+          <a:ext cx="0" cy="0"/>
+          <a:chOff x="0" y="0"/>
+          <a:chExt cx="0" cy="0"/>
+        </a:xfrm>
+      </p:grpSpPr>
+      <p:sp>
+        <p:nvSpPr>
+          <p:cNvPr id="2" name="標題 1">
+            <a:extLst>
+              <a:ext uri="{FF2B5EF4-FFF2-40B4-BE49-F238E27FC236}">
+                <a16:creationId xmlns:a16="http://schemas.microsoft.com/office/drawing/2014/main" id="{42314DE7-4874-ED46-8E9E-CDD9D5AE873A}"/>
+              </a:ext>
+            </a:extLst>
+          </p:cNvPr>
+          <p:cNvSpPr>
+            <a:spLocks noGrp="1"/>
+          </p:cNvSpPr>
+          <p:nvPr>
+            <p:ph type="title"/>
+          </p:nvPr>
+        </p:nvSpPr>
+        <p:spPr/>
+        <p:txBody>
+          <a:bodyPr/>
+          <a:lstStyle/>
+          <a:p>
+            <a:r>
+              <a:rPr kumimoji="1" lang="zh-TW" altLang="en-US" dirty="0"/>
+              <a:t>心得紀錄</a:t>
+            </a:r>
+          </a:p>
+        </p:txBody>
+      </p:sp>
+      <p:sp>
+        <p:nvSpPr>
+          <p:cNvPr id="3" name="內容版面配置區 2">
+            <a:extLst>
+              <a:ext uri="{FF2B5EF4-FFF2-40B4-BE49-F238E27FC236}">
+                <a16:creationId xmlns:a16="http://schemas.microsoft.com/office/drawing/2014/main" id="{D508F848-EF32-EB44-9418-1D28C0F32C17}"/>
+              </a:ext>
+            </a:extLst>
+          </p:cNvPr>
+          <p:cNvSpPr>
+            <a:spLocks noGrp="1"/>
+          </p:cNvSpPr>
+          <p:nvPr>
+            <p:ph idx="1"/>
+          </p:nvPr>
+        </p:nvSpPr>
+        <p:spPr/>
+        <p:txBody>
+          <a:bodyPr/>
+          <a:lstStyle/>
+          <a:p>
+            <a:r>
+              <a:rPr kumimoji="1" lang="tr-TR" altLang="zh-TW" dirty="0">
+                <a:hlinkClick r:id="rId2"/>
+              </a:rPr>
+              <a:t>https://hackmd.io</a:t>
+            </a:r>
+            <a:r>
+              <a:rPr kumimoji="1" lang="tr-TR" altLang="zh-TW">
+                <a:hlinkClick r:id="rId2"/>
+              </a:rPr>
+              <a:t>/p5UB7cmjSwOJRW3pcyCX5A?view</a:t>
+            </a:r>
+            <a:endParaRPr kumimoji="1" lang="tr-TR" altLang="zh-TW"/>
+          </a:p>
+          <a:p>
+            <a:endParaRPr kumimoji="1" lang="zh-TW" altLang="en-US"/>
+          </a:p>
+        </p:txBody>
+      </p:sp>
+    </p:spTree>
+    <p:extLst>
+      <p:ext uri="{BB962C8B-B14F-4D97-AF65-F5344CB8AC3E}">
+        <p14:creationId xmlns:p14="http://schemas.microsoft.com/office/powerpoint/2010/main" val="500069785"/>
+      </p:ext>
+    </p:extLst>
+  </p:cSld>
+  <p:clrMapOvr>
+    <a:masterClrMapping/>
+  </p:clrMapOvr>
+</p:sld>
+</file>
+
+<file path=ppt/slides/slide2.xml><?xml version="1.0" encoding="utf-8"?>
+<p:sld xmlns:a="http://schemas.openxmlformats.org/drawingml/2006/main" xmlns:r="http://schemas.openxmlformats.org/officeDocument/2006/relationships" xmlns:p="http://schemas.openxmlformats.org/presentationml/2006/main">
+  <p:cSld>
+    <p:spTree>
+      <p:nvGrpSpPr>
+        <p:cNvPr id="1" name=""/>
+        <p:cNvGrpSpPr/>
+        <p:nvPr/>
+      </p:nvGrpSpPr>
+      <p:grpSpPr>
+        <a:xfrm>
+          <a:off x="0" y="0"/>
+          <a:ext cx="0" cy="0"/>
+          <a:chOff x="0" y="0"/>
+          <a:chExt cx="0" cy="0"/>
+        </a:xfrm>
+      </p:grpSpPr>
+      <p:sp>
+        <p:nvSpPr>
+          <p:cNvPr id="3" name="副標題 2"/>
+          <p:cNvSpPr>
+            <a:spLocks noGrp="1"/>
+          </p:cNvSpPr>
+          <p:nvPr>
+            <p:ph type="subTitle" idx="1"/>
+          </p:nvPr>
+        </p:nvSpPr>
+        <p:spPr>
+          <a:xfrm>
+            <a:off x="809104" y="706581"/>
+            <a:ext cx="9144000" cy="4580313"/>
+          </a:xfrm>
+        </p:spPr>
+        <p:txBody>
+          <a:bodyPr>
+            <a:normAutofit/>
+          </a:bodyPr>
+          <a:lstStyle/>
+          <a:p>
+            <a:pPr algn="l"/>
+            <a:r>
+              <a:rPr lang="en-US" altLang="zh-TW" sz="3600" dirty="0"/>
+              <a:t>Outline</a:t>
+            </a:r>
+          </a:p>
+          <a:p>
+            <a:pPr marL="285750" indent="-285750" algn="l">
+              <a:buFont typeface="Arial" panose="020B0604020202020204" pitchFamily="34" charset="0"/>
+              <a:buChar char="•"/>
+            </a:pPr>
+            <a:r>
+              <a:rPr lang="en-US" altLang="zh-TW" sz="2400" dirty="0"/>
+              <a:t> Image </a:t>
+            </a:r>
+            <a:r>
+              <a:rPr lang="en-US" altLang="zh-TW" sz="2400" dirty="0" err="1"/>
+              <a:t>Classfication</a:t>
+            </a:r>
+            <a:r>
+              <a:rPr lang="en-US" altLang="zh-TW" sz="2400" dirty="0"/>
+              <a:t> </a:t>
+            </a:r>
+          </a:p>
+          <a:p>
+            <a:pPr marL="285750" indent="-285750" algn="l">
+              <a:buFont typeface="Arial" panose="020B0604020202020204" pitchFamily="34" charset="0"/>
+              <a:buChar char="•"/>
+            </a:pPr>
+            <a:r>
+              <a:rPr lang="en-US" altLang="zh-TW" sz="2400" dirty="0"/>
+              <a:t> Super Resolution </a:t>
+            </a:r>
+          </a:p>
+          <a:p>
+            <a:pPr marL="285750" indent="-285750" algn="l">
+              <a:buFont typeface="Arial" panose="020B0604020202020204" pitchFamily="34" charset="0"/>
+              <a:buChar char="•"/>
+            </a:pPr>
+            <a:r>
+              <a:rPr lang="en-US" altLang="zh-TW" sz="2400" dirty="0"/>
+              <a:t> Object </a:t>
+            </a:r>
+            <a:r>
+              <a:rPr lang="en-US" altLang="zh-TW" sz="2400" dirty="0" err="1"/>
+              <a:t>Dection</a:t>
+            </a:r>
+            <a:endParaRPr lang="en-US" altLang="zh-TW" sz="2400" dirty="0"/>
+          </a:p>
+        </p:txBody>
+      </p:sp>
+    </p:spTree>
+    <p:extLst>
+      <p:ext uri="{BB962C8B-B14F-4D97-AF65-F5344CB8AC3E}">
+        <p14:creationId xmlns:p14="http://schemas.microsoft.com/office/powerpoint/2010/main" val="2993200152"/>
+      </p:ext>
+    </p:extLst>
+  </p:cSld>
+  <p:clrMapOvr>
+    <a:masterClrMapping/>
+  </p:clrMapOvr>
+</p:sld>
+</file>
+
+<file path=ppt/slides/slide3.xml><?xml version="1.0" encoding="utf-8"?>
+<p:sld xmlns:a="http://schemas.openxmlformats.org/drawingml/2006/main" xmlns:r="http://schemas.openxmlformats.org/officeDocument/2006/relationships" xmlns:p="http://schemas.openxmlformats.org/presentationml/2006/main">
+  <p:cSld>
+    <p:spTree>
+      <p:nvGrpSpPr>
+        <p:cNvPr id="1" name=""/>
+        <p:cNvGrpSpPr/>
+        <p:nvPr/>
+      </p:nvGrpSpPr>
+      <p:grpSpPr>
+        <a:xfrm>
+          <a:off x="0" y="0"/>
+          <a:ext cx="0" cy="0"/>
+          <a:chOff x="0" y="0"/>
+          <a:chExt cx="0" cy="0"/>
+        </a:xfrm>
+      </p:grpSpPr>
+      <p:sp>
+        <p:nvSpPr>
+          <p:cNvPr id="3" name="副標題 2"/>
+          <p:cNvSpPr>
+            <a:spLocks noGrp="1"/>
+          </p:cNvSpPr>
+          <p:nvPr>
+            <p:ph type="subTitle" idx="1"/>
+          </p:nvPr>
+        </p:nvSpPr>
+        <p:spPr>
+          <a:xfrm>
+            <a:off x="809104" y="706581"/>
+            <a:ext cx="9144000" cy="5536277"/>
+          </a:xfrm>
+        </p:spPr>
+        <p:txBody>
+          <a:bodyPr>
+            <a:normAutofit/>
+          </a:bodyPr>
+          <a:lstStyle/>
+          <a:p>
+            <a:pPr algn="l"/>
+            <a:r>
+              <a:rPr lang="en-US" altLang="zh-TW" sz="3600" dirty="0"/>
+              <a:t>Image </a:t>
+            </a:r>
+            <a:r>
+              <a:rPr lang="en-US" altLang="zh-TW" sz="3600" dirty="0" err="1"/>
+              <a:t>Classfication</a:t>
+            </a:r>
+            <a:r>
+              <a:rPr lang="en-US" altLang="zh-TW" sz="3600" dirty="0"/>
+              <a:t> </a:t>
+            </a:r>
+          </a:p>
+          <a:p>
+            <a:pPr marL="285750" indent="-285750" algn="l">
+              <a:buFont typeface="Arial" panose="020B0604020202020204" pitchFamily="34" charset="0"/>
+              <a:buChar char="•"/>
+            </a:pPr>
+            <a:r>
+              <a:rPr lang="en-US" altLang="zh-TW" sz="2400" dirty="0"/>
+              <a:t> Dataset: CINIC-10 </a:t>
+            </a:r>
+          </a:p>
+          <a:p>
+            <a:pPr marL="285750" indent="-285750" algn="l">
+              <a:buFont typeface="Arial" panose="020B0604020202020204" pitchFamily="34" charset="0"/>
+              <a:buChar char="•"/>
+            </a:pPr>
+            <a:r>
+              <a:rPr lang="en-US" altLang="zh-TW" sz="2400" dirty="0"/>
+              <a:t> Model: resnet20_cifar</a:t>
+            </a:r>
+          </a:p>
+          <a:p>
+            <a:pPr marL="285750" indent="-285750" algn="l">
+              <a:buFont typeface="Arial" panose="020B0604020202020204" pitchFamily="34" charset="0"/>
+              <a:buChar char="•"/>
+            </a:pPr>
+            <a:r>
+              <a:rPr lang="en-US" altLang="zh-TW" sz="2400" dirty="0"/>
+              <a:t> Pre-processing: Save the image as </a:t>
+            </a:r>
+            <a:r>
+              <a:rPr lang="en-US" altLang="zh-TW" sz="2400" dirty="0" err="1"/>
+              <a:t>numpy</a:t>
+            </a:r>
+            <a:endParaRPr lang="en-US" altLang="zh-TW" sz="2400" dirty="0"/>
+          </a:p>
+          <a:p>
+            <a:pPr marL="285750" indent="-285750" algn="l">
+              <a:buFont typeface="Arial" panose="020B0604020202020204" pitchFamily="34" charset="0"/>
+              <a:buChar char="•"/>
+            </a:pPr>
+            <a:r>
+              <a:rPr lang="en-US" altLang="zh-TW" sz="2400" dirty="0"/>
+              <a:t> Data augmentation:</a:t>
+            </a:r>
+          </a:p>
+          <a:p>
+            <a:pPr marL="914400" lvl="1" indent="-457200" algn="l">
+              <a:buFont typeface="+mj-lt"/>
+              <a:buAutoNum type="arabicPeriod"/>
+            </a:pPr>
+            <a:r>
+              <a:rPr lang="en-US" altLang="zh-TW" sz="2200" dirty="0" err="1"/>
+              <a:t>transforms.RandomCrop</a:t>
+            </a:r>
+            <a:r>
+              <a:rPr lang="en-US" altLang="zh-TW" sz="2200" dirty="0"/>
+              <a:t>(32, padding=4),</a:t>
+            </a:r>
+          </a:p>
+          <a:p>
+            <a:pPr marL="914400" lvl="1" indent="-457200" algn="l">
+              <a:buFont typeface="+mj-lt"/>
+              <a:buAutoNum type="arabicPeriod"/>
+            </a:pPr>
+            <a:r>
+              <a:rPr lang="en-US" altLang="zh-TW" sz="2200" dirty="0" err="1"/>
+              <a:t>transforms.RandomHorizontalFlip</a:t>
+            </a:r>
+            <a:r>
+              <a:rPr lang="en-US" altLang="zh-TW" sz="2200" dirty="0"/>
+              <a:t>(),</a:t>
+            </a:r>
+          </a:p>
+          <a:p>
+            <a:pPr marL="914400" lvl="1" indent="-457200" algn="l">
+              <a:buFont typeface="+mj-lt"/>
+              <a:buAutoNum type="arabicPeriod"/>
+            </a:pPr>
+            <a:r>
+              <a:rPr lang="en-US" altLang="zh-TW" sz="2200" dirty="0" err="1"/>
+              <a:t>transforms.Normalize</a:t>
+            </a:r>
+            <a:r>
+              <a:rPr lang="en-US" altLang="zh-TW" sz="2200" dirty="0"/>
+              <a:t>(mean=</a:t>
+            </a:r>
+            <a:r>
+              <a:rPr lang="en-US" altLang="zh-TW" sz="2200" dirty="0" err="1"/>
+              <a:t>cinic_mean</a:t>
+            </a:r>
+            <a:r>
+              <a:rPr lang="en-US" altLang="zh-TW" sz="2200" dirty="0"/>
+              <a:t>, </a:t>
+            </a:r>
+            <a:r>
+              <a:rPr lang="en-US" altLang="zh-TW" sz="2200" dirty="0" err="1"/>
+              <a:t>std</a:t>
+            </a:r>
+            <a:r>
+              <a:rPr lang="en-US" altLang="zh-TW" sz="2200" dirty="0"/>
+              <a:t>=</a:t>
+            </a:r>
+            <a:r>
+              <a:rPr lang="en-US" altLang="zh-TW" sz="2200" dirty="0" err="1"/>
+              <a:t>cinic_std</a:t>
+            </a:r>
+            <a:r>
+              <a:rPr lang="en-US" altLang="zh-TW" sz="2200" dirty="0"/>
+              <a:t>),</a:t>
+            </a:r>
+          </a:p>
+          <a:p>
+            <a:pPr marL="914400" lvl="1" indent="-457200" algn="l">
+              <a:buFont typeface="+mj-lt"/>
+              <a:buAutoNum type="arabicPeriod"/>
+            </a:pPr>
+            <a:r>
+              <a:rPr lang="en-US" altLang="zh-TW" sz="2200" dirty="0"/>
+              <a:t>Cutout(</a:t>
+            </a:r>
+            <a:r>
+              <a:rPr lang="en-US" altLang="zh-TW" sz="2200" dirty="0" err="1"/>
+              <a:t>n_holes</a:t>
+            </a:r>
+            <a:r>
+              <a:rPr lang="en-US" altLang="zh-TW" sz="2200" dirty="0"/>
+              <a:t>=1, length=16) </a:t>
+            </a:r>
+            <a:r>
+              <a:rPr lang="en-US" altLang="zh-TW" sz="2800" dirty="0"/>
+              <a:t>-&gt; </a:t>
+            </a:r>
+            <a:r>
+              <a:rPr lang="en-US" altLang="zh-TW" sz="2000" dirty="0"/>
+              <a:t>Regularization </a:t>
+            </a:r>
+          </a:p>
+          <a:p>
+            <a:pPr marL="342900" indent="-342900" algn="l">
+              <a:buFont typeface="Arial" panose="020B0604020202020204" pitchFamily="34" charset="0"/>
+              <a:buChar char="•"/>
+            </a:pPr>
+            <a:r>
+              <a:rPr lang="en-US" altLang="zh-TW" sz="2400" dirty="0" err="1"/>
+              <a:t>Ngraph</a:t>
+            </a:r>
+            <a:r>
+              <a:rPr lang="en-US" altLang="zh-TW" sz="2400" dirty="0"/>
+              <a:t> :batch size 960 – CPU Inference</a:t>
+            </a:r>
+          </a:p>
+        </p:txBody>
+      </p:sp>
+    </p:spTree>
+    <p:extLst>
+      <p:ext uri="{BB962C8B-B14F-4D97-AF65-F5344CB8AC3E}">
+        <p14:creationId xmlns:p14="http://schemas.microsoft.com/office/powerpoint/2010/main" val="972458300"/>
+      </p:ext>
+    </p:extLst>
+  </p:cSld>
+  <p:clrMapOvr>
+    <a:masterClrMapping/>
+  </p:clrMapOvr>
+</p:sld>
+</file>
+
+<file path=ppt/slides/slide4.xml><?xml version="1.0" encoding="utf-8"?>
+<p:sld xmlns:a="http://schemas.openxmlformats.org/drawingml/2006/main" xmlns:r="http://schemas.openxmlformats.org/officeDocument/2006/relationships" xmlns:p="http://schemas.openxmlformats.org/presentationml/2006/main">
+  <p:cSld>
+    <p:spTree>
+      <p:nvGrpSpPr>
+        <p:cNvPr id="1" name=""/>
+        <p:cNvGrpSpPr/>
+        <p:nvPr/>
+      </p:nvGrpSpPr>
+      <p:grpSpPr>
+        <a:xfrm>
+          <a:off x="0" y="0"/>
+          <a:ext cx="0" cy="0"/>
+          <a:chOff x="0" y="0"/>
+          <a:chExt cx="0" cy="0"/>
+        </a:xfrm>
+      </p:grpSpPr>
+      <p:sp>
+        <p:nvSpPr>
+          <p:cNvPr id="3" name="副標題 2"/>
+          <p:cNvSpPr>
+            <a:spLocks noGrp="1"/>
+          </p:cNvSpPr>
+          <p:nvPr>
+            <p:ph type="subTitle" idx="1"/>
+          </p:nvPr>
+        </p:nvSpPr>
+        <p:spPr>
+          <a:xfrm>
+            <a:off x="809104" y="706581"/>
+            <a:ext cx="9144000" cy="5536277"/>
+          </a:xfrm>
+        </p:spPr>
+        <p:txBody>
+          <a:bodyPr>
+            <a:normAutofit/>
+          </a:bodyPr>
+          <a:lstStyle/>
+          <a:p>
+            <a:pPr algn="l"/>
+            <a:r>
+              <a:rPr lang="en-US" altLang="zh-TW" sz="3600" dirty="0"/>
+              <a:t>Image </a:t>
+            </a:r>
+            <a:r>
+              <a:rPr lang="en-US" altLang="zh-TW" sz="3600" dirty="0" err="1"/>
+              <a:t>Classfication</a:t>
+            </a:r>
+            <a:r>
+              <a:rPr lang="en-US" altLang="zh-TW" sz="3600" dirty="0"/>
+              <a:t> - results</a:t>
+            </a:r>
+          </a:p>
+          <a:p>
+            <a:pPr marL="285750" indent="-285750" algn="l">
+              <a:buFont typeface="Arial" panose="020B0604020202020204" pitchFamily="34" charset="0"/>
+              <a:buChar char="•"/>
+            </a:pPr>
+            <a:r>
+              <a:rPr lang="en-US" altLang="zh-TW" sz="2400" dirty="0"/>
+              <a:t> CPU inference time : 286.98</a:t>
+            </a:r>
+          </a:p>
+          <a:p>
+            <a:pPr marL="285750" indent="-285750" algn="l">
+              <a:buFont typeface="Arial" panose="020B0604020202020204" pitchFamily="34" charset="0"/>
+              <a:buChar char="•"/>
+            </a:pPr>
+            <a:r>
+              <a:rPr lang="en-US" altLang="zh-TW" sz="2400" dirty="0"/>
+              <a:t> CPU accuracy: 84.663978</a:t>
+            </a:r>
+          </a:p>
+          <a:p>
+            <a:pPr marL="285750" indent="-285750" algn="l">
+              <a:buFont typeface="Arial" panose="020B0604020202020204" pitchFamily="34" charset="0"/>
+              <a:buChar char="•"/>
+            </a:pPr>
+            <a:r>
+              <a:rPr lang="en-US" altLang="zh-TW" sz="2400" dirty="0"/>
+              <a:t> GPU inference time : 12.08</a:t>
+            </a:r>
+          </a:p>
+          <a:p>
+            <a:pPr marL="285750" indent="-285750" algn="l">
+              <a:buFont typeface="Arial" panose="020B0604020202020204" pitchFamily="34" charset="0"/>
+              <a:buChar char="•"/>
+            </a:pPr>
+            <a:r>
+              <a:rPr lang="en-US" altLang="zh-TW" sz="2400" dirty="0"/>
+              <a:t> GPU accuracy: 84.52777</a:t>
+            </a:r>
+          </a:p>
+          <a:p>
+            <a:pPr marL="285750" indent="-285750" algn="l">
+              <a:buFont typeface="Arial" panose="020B0604020202020204" pitchFamily="34" charset="0"/>
+              <a:buChar char="•"/>
+            </a:pPr>
+            <a:r>
+              <a:rPr lang="en-US" altLang="zh-TW" sz="2400" dirty="0"/>
+              <a:t> Number of weight: 274063</a:t>
+            </a:r>
+          </a:p>
+          <a:p>
+            <a:pPr marL="285750" indent="-285750" algn="l">
+              <a:buFont typeface="Arial" panose="020B0604020202020204" pitchFamily="34" charset="0"/>
+              <a:buChar char="•"/>
+            </a:pPr>
+            <a:r>
+              <a:rPr lang="en-US" altLang="zh-TW" sz="2400" dirty="0"/>
+              <a:t>Model size = 1.0454673MB</a:t>
+            </a:r>
+          </a:p>
+        </p:txBody>
+      </p:sp>
+    </p:spTree>
+    <p:extLst>
+      <p:ext uri="{BB962C8B-B14F-4D97-AF65-F5344CB8AC3E}">
+        <p14:creationId xmlns:p14="http://schemas.microsoft.com/office/powerpoint/2010/main" val="1001771061"/>
+      </p:ext>
+    </p:extLst>
+  </p:cSld>
+  <p:clrMapOvr>
+    <a:masterClrMapping/>
+  </p:clrMapOvr>
+</p:sld>
+</file>
+
+<file path=ppt/slides/slide5.xml><?xml version="1.0" encoding="utf-8"?>
+<p:sld xmlns:a="http://schemas.openxmlformats.org/drawingml/2006/main" xmlns:r="http://schemas.openxmlformats.org/officeDocument/2006/relationships" xmlns:p="http://schemas.openxmlformats.org/presentationml/2006/main">
+  <p:cSld>
+    <p:spTree>
+      <p:nvGrpSpPr>
+        <p:cNvPr id="1" name=""/>
+        <p:cNvGrpSpPr/>
+        <p:nvPr/>
+      </p:nvGrpSpPr>
+      <p:grpSpPr>
+        <a:xfrm>
+          <a:off x="0" y="0"/>
+          <a:ext cx="0" cy="0"/>
+          <a:chOff x="0" y="0"/>
+          <a:chExt cx="0" cy="0"/>
+        </a:xfrm>
+      </p:grpSpPr>
+      <p:sp>
+        <p:nvSpPr>
+          <p:cNvPr id="3" name="副標題 2"/>
+          <p:cNvSpPr>
+            <a:spLocks noGrp="1"/>
+          </p:cNvSpPr>
+          <p:nvPr>
+            <p:ph type="subTitle" idx="1"/>
+          </p:nvPr>
+        </p:nvSpPr>
+        <p:spPr>
+          <a:xfrm>
+            <a:off x="809103" y="706581"/>
+            <a:ext cx="11015751" cy="5628905"/>
+          </a:xfrm>
+        </p:spPr>
+        <p:txBody>
+          <a:bodyPr>
+            <a:normAutofit fontScale="92500" lnSpcReduction="10000"/>
+          </a:bodyPr>
+          <a:lstStyle/>
+          <a:p>
+            <a:pPr algn="l"/>
+            <a:r>
+              <a:rPr lang="zh-TW" altLang="en-US" sz="2400" dirty="0"/>
+              <a:t>心得</a:t>
+            </a:r>
+            <a:r>
+              <a:rPr lang="en-US" altLang="zh-TW" sz="2400" dirty="0"/>
+              <a:t>:</a:t>
+            </a:r>
+          </a:p>
+          <a:p>
+            <a:pPr algn="l">
+              <a:lnSpc>
+                <a:spcPct val="150000"/>
+              </a:lnSpc>
+            </a:pPr>
+            <a:r>
+              <a:rPr lang="en-US" altLang="zh-TW" sz="2400" dirty="0"/>
+              <a:t>	Image </a:t>
+            </a:r>
+            <a:r>
+              <a:rPr lang="en-US" altLang="zh-TW" sz="2400" dirty="0" err="1"/>
+              <a:t>Classfication</a:t>
+            </a:r>
+            <a:r>
+              <a:rPr lang="zh-TW" altLang="en-US" sz="2000" dirty="0"/>
+              <a:t>的實驗分了三個面向來評估，分別是精準度和模型大小和</a:t>
+            </a:r>
+            <a:r>
+              <a:rPr lang="en-US" altLang="zh-TW" sz="2000" dirty="0"/>
+              <a:t>CPU</a:t>
+            </a:r>
+            <a:r>
+              <a:rPr lang="zh-TW" altLang="en-US" sz="2000" dirty="0"/>
+              <a:t>及</a:t>
+            </a:r>
+            <a:r>
+              <a:rPr lang="en-US" altLang="zh-TW" sz="2000" dirty="0"/>
+              <a:t>GPU</a:t>
+            </a:r>
+          </a:p>
+          <a:p>
+            <a:pPr algn="l">
+              <a:lnSpc>
+                <a:spcPct val="150000"/>
+              </a:lnSpc>
+            </a:pPr>
+            <a:r>
+              <a:rPr lang="zh-TW" altLang="en-US" sz="2000" dirty="0"/>
+              <a:t>的執行速度。</a:t>
+            </a:r>
+            <a:endParaRPr lang="en-US" altLang="zh-TW" sz="2000" dirty="0"/>
+          </a:p>
+          <a:p>
+            <a:pPr algn="l">
+              <a:lnSpc>
+                <a:spcPct val="150000"/>
+              </a:lnSpc>
+            </a:pPr>
+            <a:r>
+              <a:rPr lang="zh-TW" altLang="en-US" sz="2000" dirty="0"/>
+              <a:t>       在精準度的方面</a:t>
+            </a:r>
+            <a:r>
+              <a:rPr lang="en-US" altLang="zh-TW" sz="2000" dirty="0"/>
+              <a:t>data augmentation(</a:t>
+            </a:r>
+            <a:r>
+              <a:rPr lang="zh-TW" altLang="en-US" sz="2000" dirty="0"/>
+              <a:t>水平及垂直翻轉、</a:t>
+            </a:r>
+            <a:r>
+              <a:rPr lang="en-US" altLang="zh-TW" sz="2000" dirty="0"/>
+              <a:t>crop</a:t>
+            </a:r>
+            <a:r>
+              <a:rPr lang="zh-TW" altLang="en-US" sz="2000" dirty="0"/>
+              <a:t>、</a:t>
+            </a:r>
+            <a:r>
+              <a:rPr lang="en-US" altLang="zh-TW" sz="2000" dirty="0"/>
+              <a:t>cutout)</a:t>
+            </a:r>
+            <a:r>
+              <a:rPr lang="zh-TW" altLang="en-US" sz="2000" dirty="0"/>
+              <a:t>和</a:t>
+            </a:r>
+            <a:r>
+              <a:rPr lang="en-US" altLang="zh-TW" sz="2000" dirty="0"/>
+              <a:t>Weights initialization(</a:t>
+            </a:r>
+            <a:r>
+              <a:rPr lang="en-US" altLang="zh-TW" sz="2000" dirty="0" err="1"/>
+              <a:t>xavier_normal</a:t>
+            </a:r>
+            <a:r>
+              <a:rPr lang="zh-TW" altLang="en-US" sz="2000" dirty="0"/>
+              <a:t>、</a:t>
+            </a:r>
+            <a:r>
+              <a:rPr lang="en-US" altLang="zh-TW" sz="2000" dirty="0" err="1"/>
+              <a:t>kaiming</a:t>
+            </a:r>
+            <a:r>
+              <a:rPr lang="zh-TW" altLang="en-US" sz="2000" dirty="0"/>
+              <a:t>、</a:t>
+            </a:r>
+            <a:r>
+              <a:rPr lang="en-US" altLang="zh-TW" sz="2000" dirty="0"/>
+              <a:t>normal</a:t>
+            </a:r>
+            <a:r>
+              <a:rPr lang="zh-TW" altLang="en-US" sz="2000" dirty="0"/>
+              <a:t>、</a:t>
+            </a:r>
+            <a:r>
+              <a:rPr lang="en-US" altLang="zh-TW" sz="2000" dirty="0"/>
+              <a:t>uniform)</a:t>
+            </a:r>
+            <a:r>
+              <a:rPr lang="zh-TW" altLang="en-US" sz="2000" dirty="0"/>
+              <a:t>，並評估了各個模型的大小及精準度，最後選擇</a:t>
+            </a:r>
+            <a:r>
+              <a:rPr lang="en-US" altLang="zh-TW" sz="2000" dirty="0"/>
+              <a:t>cifar_resnet20</a:t>
+            </a:r>
+            <a:r>
+              <a:rPr lang="zh-TW" altLang="en-US" sz="2000" dirty="0"/>
+              <a:t>，準確度雖然少了七趴，但</a:t>
+            </a:r>
+            <a:r>
+              <a:rPr lang="en-US" altLang="zh-TW" sz="2000" dirty="0"/>
+              <a:t>cifar_resnet20</a:t>
+            </a:r>
+            <a:r>
+              <a:rPr lang="zh-TW" altLang="en-US" sz="2000" dirty="0"/>
+              <a:t>的大小只有</a:t>
+            </a:r>
+            <a:r>
+              <a:rPr lang="en-US" altLang="zh-TW" sz="2000" dirty="0"/>
+              <a:t>resnet18</a:t>
+            </a:r>
+            <a:r>
+              <a:rPr lang="zh-TW" altLang="en-US" sz="2000" dirty="0"/>
+              <a:t>的四十分之一，所以最後選擇使用這個。</a:t>
+            </a:r>
+            <a:endParaRPr lang="en-US" altLang="zh-TW" sz="2000" dirty="0"/>
+          </a:p>
+          <a:p>
+            <a:pPr algn="l">
+              <a:lnSpc>
+                <a:spcPct val="150000"/>
+              </a:lnSpc>
+            </a:pPr>
+            <a:r>
+              <a:rPr lang="zh-TW" altLang="en-US" sz="2000" dirty="0"/>
+              <a:t>        至於模型大小原先使用</a:t>
+            </a:r>
+            <a:r>
+              <a:rPr lang="en-US" altLang="zh-TW" sz="2000" dirty="0"/>
+              <a:t>Quantization</a:t>
+            </a:r>
+            <a:r>
+              <a:rPr lang="zh-TW" altLang="en-US" sz="2000" dirty="0"/>
+              <a:t>來做壓縮，但是</a:t>
+            </a:r>
+            <a:r>
+              <a:rPr lang="en-US" altLang="zh-TW" sz="2000" dirty="0" err="1"/>
+              <a:t>pytorch</a:t>
+            </a:r>
+            <a:r>
+              <a:rPr lang="zh-TW" altLang="en-US" sz="2000" dirty="0"/>
+              <a:t>在儲存</a:t>
+            </a:r>
+            <a:r>
+              <a:rPr lang="en-US" altLang="zh-TW" sz="2000" dirty="0"/>
+              <a:t>model</a:t>
+            </a:r>
+            <a:r>
+              <a:rPr lang="zh-TW" altLang="en-US" sz="2000" dirty="0"/>
+              <a:t>時是使用</a:t>
+            </a:r>
+            <a:r>
+              <a:rPr lang="en-US" altLang="zh-TW" sz="2000" dirty="0"/>
+              <a:t>float32</a:t>
+            </a:r>
+            <a:r>
+              <a:rPr lang="zh-TW" altLang="en-US" sz="2000" dirty="0"/>
+              <a:t>做儲存，故最後大小不變，失敗收場，</a:t>
+            </a:r>
+            <a:r>
+              <a:rPr lang="en-US" altLang="zh-TW" sz="2000" dirty="0"/>
+              <a:t>pruning</a:t>
+            </a:r>
+            <a:r>
+              <a:rPr lang="zh-TW" altLang="en-US" sz="2000" dirty="0"/>
+              <a:t>則是精確度掉太多，所以最後選擇不採用。</a:t>
+            </a:r>
+            <a:endParaRPr lang="en-US" altLang="zh-TW" sz="2000" dirty="0"/>
+          </a:p>
+          <a:p>
+            <a:pPr algn="l">
+              <a:lnSpc>
+                <a:spcPct val="150000"/>
+              </a:lnSpc>
+            </a:pPr>
+            <a:r>
+              <a:rPr lang="en-US" altLang="zh-TW" sz="2000" dirty="0"/>
+              <a:t>	</a:t>
+            </a:r>
+            <a:r>
+              <a:rPr lang="zh-TW" altLang="en-US" sz="2000" dirty="0"/>
+              <a:t>    在</a:t>
+            </a:r>
+            <a:r>
+              <a:rPr lang="en-US" altLang="zh-TW" sz="2000" dirty="0"/>
+              <a:t>CPU</a:t>
+            </a:r>
+            <a:r>
+              <a:rPr lang="zh-TW" altLang="en-US" sz="2000" dirty="0"/>
+              <a:t> </a:t>
+            </a:r>
+            <a:r>
+              <a:rPr lang="en-US" altLang="zh-TW" sz="2000" dirty="0"/>
+              <a:t>inference</a:t>
+            </a:r>
+            <a:r>
+              <a:rPr lang="zh-TW" altLang="en-US" sz="2000" dirty="0"/>
+              <a:t>使用</a:t>
+            </a:r>
+            <a:r>
+              <a:rPr lang="en-US" altLang="zh-TW" sz="2000" dirty="0" err="1"/>
+              <a:t>ngraph</a:t>
+            </a:r>
+            <a:r>
+              <a:rPr lang="zh-TW" altLang="en-US" sz="2000" dirty="0"/>
+              <a:t>來大幅降低時間，</a:t>
+            </a:r>
+            <a:r>
+              <a:rPr lang="en-US" altLang="zh-TW" sz="2000" dirty="0"/>
+              <a:t>batch</a:t>
+            </a:r>
+            <a:r>
+              <a:rPr lang="zh-TW" altLang="en-US" sz="2000" dirty="0"/>
+              <a:t> </a:t>
+            </a:r>
+            <a:r>
+              <a:rPr lang="en-US" altLang="zh-TW" sz="2000" dirty="0"/>
+              <a:t>size</a:t>
+            </a:r>
+            <a:r>
+              <a:rPr lang="zh-TW" altLang="en-US" sz="2000" dirty="0"/>
+              <a:t> </a:t>
+            </a:r>
+            <a:r>
+              <a:rPr lang="en-US" altLang="zh-TW" sz="2000" dirty="0"/>
+              <a:t>= 960</a:t>
+            </a:r>
+            <a:r>
+              <a:rPr lang="zh-TW" altLang="en-US" sz="2000" dirty="0"/>
+              <a:t>，選擇此數字是因為在國網執行時，</a:t>
+            </a:r>
+            <a:r>
+              <a:rPr lang="en-US" altLang="zh-TW" sz="2000" dirty="0"/>
+              <a:t>model</a:t>
+            </a:r>
+            <a:r>
+              <a:rPr lang="zh-TW" altLang="en-US" sz="2000" dirty="0"/>
+              <a:t>轉</a:t>
+            </a:r>
+            <a:r>
+              <a:rPr lang="en-US" altLang="zh-TW" sz="2000" dirty="0" err="1"/>
+              <a:t>onnx</a:t>
+            </a:r>
+            <a:r>
+              <a:rPr lang="zh-TW" altLang="en-US" sz="2000" dirty="0"/>
+              <a:t>的最大負荷量。而為了將載入的速度提升，首先將圖片的檔案儲存成</a:t>
+            </a:r>
+            <a:r>
+              <a:rPr lang="en-US" altLang="zh-TW" sz="2000" dirty="0" err="1"/>
+              <a:t>numpy</a:t>
+            </a:r>
+            <a:r>
+              <a:rPr lang="zh-TW" altLang="en-US" sz="2000" dirty="0"/>
+              <a:t>形式，並將</a:t>
+            </a:r>
+            <a:r>
+              <a:rPr lang="en-US" altLang="zh-TW" sz="2000" dirty="0" err="1"/>
+              <a:t>dataloader</a:t>
+            </a:r>
+            <a:r>
+              <a:rPr lang="zh-TW" altLang="en-US" sz="2000" dirty="0"/>
+              <a:t>做改寫，大幅降低模型訓練的時間。</a:t>
+            </a:r>
+            <a:endParaRPr lang="en-US" altLang="zh-TW" sz="2000" dirty="0"/>
+          </a:p>
+          <a:p>
+            <a:pPr marL="457200" indent="-457200" algn="l">
+              <a:buAutoNum type="arabicPeriod"/>
+            </a:pPr>
+            <a:endParaRPr lang="en-US" altLang="zh-TW" sz="2400" dirty="0"/>
+          </a:p>
+        </p:txBody>
+      </p:sp>
+    </p:spTree>
+    <p:extLst>
+      <p:ext uri="{BB962C8B-B14F-4D97-AF65-F5344CB8AC3E}">
+        <p14:creationId xmlns:p14="http://schemas.microsoft.com/office/powerpoint/2010/main" val="1115520080"/>
+      </p:ext>
+    </p:extLst>
+  </p:cSld>
+  <p:clrMapOvr>
+    <a:masterClrMapping/>
+  </p:clrMapOvr>
+</p:sld>
+</file>
+
+<file path=ppt/slides/slide6.xml><?xml version="1.0" encoding="utf-8"?>
+<p:sld xmlns:a="http://schemas.openxmlformats.org/drawingml/2006/main" xmlns:r="http://schemas.openxmlformats.org/officeDocument/2006/relationships" xmlns:p="http://schemas.openxmlformats.org/presentationml/2006/main">
+  <p:cSld>
+    <p:spTree>
+      <p:nvGrpSpPr>
+        <p:cNvPr id="1" name=""/>
+        <p:cNvGrpSpPr/>
+        <p:nvPr/>
+      </p:nvGrpSpPr>
+      <p:grpSpPr>
+        <a:xfrm>
+          <a:off x="0" y="0"/>
+          <a:ext cx="0" cy="0"/>
+          <a:chOff x="0" y="0"/>
+          <a:chExt cx="0" cy="0"/>
+        </a:xfrm>
+      </p:grpSpPr>
+      <p:sp>
+        <p:nvSpPr>
+          <p:cNvPr id="3" name="副標題 2"/>
+          <p:cNvSpPr>
+            <a:spLocks noGrp="1"/>
+          </p:cNvSpPr>
+          <p:nvPr>
+            <p:ph type="subTitle" idx="1"/>
+          </p:nvPr>
+        </p:nvSpPr>
+        <p:spPr>
+          <a:xfrm>
+            <a:off x="809104" y="706581"/>
+            <a:ext cx="9144000" cy="4580313"/>
+          </a:xfrm>
+        </p:spPr>
+        <p:txBody>
+          <a:bodyPr>
+            <a:normAutofit/>
+          </a:bodyPr>
+          <a:lstStyle/>
+          <a:p>
+            <a:pPr algn="l"/>
+            <a:r>
+              <a:rPr lang="en-US" altLang="zh-TW" sz="3600" dirty="0"/>
+              <a:t>Super Resolution </a:t>
+            </a:r>
+            <a:r>
+              <a:rPr lang="en-US" altLang="zh-TW" sz="2400" dirty="0"/>
+              <a:t> </a:t>
+            </a:r>
+          </a:p>
+          <a:p>
+            <a:pPr marL="342900" indent="-342900" algn="l">
+              <a:buFont typeface="Arial" panose="020B0604020202020204" pitchFamily="34" charset="0"/>
+              <a:buChar char="•"/>
+            </a:pPr>
+            <a:r>
+              <a:rPr lang="en-US" altLang="zh-TW" sz="2400" dirty="0"/>
+              <a:t>Dataset: DIV2K</a:t>
+            </a:r>
+          </a:p>
+          <a:p>
+            <a:pPr marL="285750" indent="-285750" algn="l">
+              <a:buFont typeface="Arial" panose="020B0604020202020204" pitchFamily="34" charset="0"/>
+              <a:buChar char="•"/>
+            </a:pPr>
+            <a:r>
+              <a:rPr lang="en-US" altLang="zh-TW" sz="2400" dirty="0"/>
+              <a:t> Model: </a:t>
+            </a:r>
+            <a:r>
+              <a:rPr lang="en-US" altLang="zh-TW" sz="2400" dirty="0" err="1"/>
+              <a:t>wdsr_b</a:t>
+            </a:r>
+            <a:endParaRPr lang="en-US" altLang="zh-TW" sz="2400" dirty="0"/>
+          </a:p>
+          <a:p>
+            <a:pPr marL="285750" indent="-285750" algn="l">
+              <a:buFont typeface="Arial" panose="020B0604020202020204" pitchFamily="34" charset="0"/>
+              <a:buChar char="•"/>
+            </a:pPr>
+            <a:r>
+              <a:rPr lang="en-US" altLang="zh-TW" dirty="0"/>
+              <a:t>n_resblocks:12</a:t>
+            </a:r>
+          </a:p>
+          <a:p>
+            <a:pPr marL="285750" indent="-285750" algn="l">
+              <a:buFont typeface="Arial" panose="020B0604020202020204" pitchFamily="34" charset="0"/>
+              <a:buChar char="•"/>
+            </a:pPr>
+            <a:r>
+              <a:rPr lang="en-US" altLang="zh-TW" dirty="0"/>
+              <a:t>n_feats:32</a:t>
+            </a:r>
+          </a:p>
+          <a:p>
+            <a:pPr marL="285750" indent="-285750" algn="l">
+              <a:buFont typeface="Arial" panose="020B0604020202020204" pitchFamily="34" charset="0"/>
+              <a:buChar char="•"/>
+            </a:pPr>
+            <a:r>
+              <a:rPr lang="en-US" altLang="zh-TW" dirty="0"/>
+              <a:t>block_feats:96 </a:t>
+            </a:r>
+          </a:p>
+          <a:p>
+            <a:pPr marL="285750" indent="-285750" algn="l">
+              <a:buFont typeface="Arial" panose="020B0604020202020204" pitchFamily="34" charset="0"/>
+              <a:buChar char="•"/>
+            </a:pPr>
+            <a:r>
+              <a:rPr lang="en-US" altLang="zh-TW" dirty="0"/>
+              <a:t>res_scale:0.1 </a:t>
+            </a:r>
+          </a:p>
+          <a:p>
+            <a:pPr marL="285750" indent="-285750" algn="l">
+              <a:buFont typeface="Arial" panose="020B0604020202020204" pitchFamily="34" charset="0"/>
+              <a:buChar char="•"/>
+            </a:pPr>
+            <a:r>
+              <a:rPr lang="en-US" altLang="zh-TW" dirty="0"/>
+              <a:t>patch_size:96</a:t>
+            </a:r>
+            <a:endParaRPr lang="en-US" altLang="zh-TW" sz="2400" dirty="0"/>
+          </a:p>
+        </p:txBody>
+      </p:sp>
+      <p:pic>
+        <p:nvPicPr>
+          <p:cNvPr id="4" name="圖片 3"/>
+          <p:cNvPicPr>
+            <a:picLocks noChangeAspect="1"/>
+          </p:cNvPicPr>
+          <p:nvPr/>
+        </p:nvPicPr>
+        <p:blipFill>
+          <a:blip r:embed="rId2"/>
+          <a:stretch>
+            <a:fillRect/>
+          </a:stretch>
+        </p:blipFill>
+        <p:spPr>
+          <a:xfrm>
+            <a:off x="4567237" y="2228850"/>
+            <a:ext cx="4562475" cy="2476500"/>
+          </a:xfrm>
+          <a:prstGeom prst="rect">
+            <a:avLst/>
+          </a:prstGeom>
+        </p:spPr>
+      </p:pic>
+      <p:sp>
+        <p:nvSpPr>
+          <p:cNvPr id="2" name="矩形 1"/>
+          <p:cNvSpPr/>
+          <p:nvPr/>
+        </p:nvSpPr>
+        <p:spPr>
+          <a:xfrm>
+            <a:off x="4414031" y="5023668"/>
+            <a:ext cx="4125938" cy="369332"/>
+          </a:xfrm>
+          <a:prstGeom prst="rect">
+            <a:avLst/>
+          </a:prstGeom>
+        </p:spPr>
+        <p:txBody>
+          <a:bodyPr wrap="none">
+            <a:spAutoFit/>
+          </a:bodyPr>
+          <a:lstStyle/>
+          <a:p>
+            <a:r>
+              <a:rPr lang="zh-TW" altLang="en-US" dirty="0"/>
+              <a:t>https://arxiv.org/pdf/1808.08718.pdf</a:t>
+            </a:r>
+          </a:p>
+        </p:txBody>
+      </p:sp>
+    </p:spTree>
+    <p:extLst>
+      <p:ext uri="{BB962C8B-B14F-4D97-AF65-F5344CB8AC3E}">
+        <p14:creationId xmlns:p14="http://schemas.microsoft.com/office/powerpoint/2010/main" val="3535919698"/>
+      </p:ext>
+    </p:extLst>
+  </p:cSld>
+  <p:clrMapOvr>
+    <a:masterClrMapping/>
+  </p:clrMapOvr>
+</p:sld>
+</file>
+
+<file path=ppt/slides/slide7.xml><?xml version="1.0" encoding="utf-8"?>
+<p:sld xmlns:a="http://schemas.openxmlformats.org/drawingml/2006/main" xmlns:r="http://schemas.openxmlformats.org/officeDocument/2006/relationships" xmlns:p="http://schemas.openxmlformats.org/presentationml/2006/main">
+  <p:cSld>
+    <p:spTree>
+      <p:nvGrpSpPr>
+        <p:cNvPr id="1" name=""/>
+        <p:cNvGrpSpPr/>
+        <p:nvPr/>
+      </p:nvGrpSpPr>
+      <p:grpSpPr>
+        <a:xfrm>
+          <a:off x="0" y="0"/>
+          <a:ext cx="0" cy="0"/>
+          <a:chOff x="0" y="0"/>
+          <a:chExt cx="0" cy="0"/>
+        </a:xfrm>
+      </p:grpSpPr>
+      <p:sp>
+        <p:nvSpPr>
+          <p:cNvPr id="3" name="副標題 2"/>
+          <p:cNvSpPr>
+            <a:spLocks noGrp="1"/>
+          </p:cNvSpPr>
+          <p:nvPr>
+            <p:ph type="subTitle" idx="1"/>
+          </p:nvPr>
+        </p:nvSpPr>
+        <p:spPr>
+          <a:xfrm>
+            <a:off x="809104" y="706581"/>
+            <a:ext cx="9144000" cy="4580313"/>
+          </a:xfrm>
+        </p:spPr>
+        <p:txBody>
+          <a:bodyPr>
+            <a:normAutofit/>
+          </a:bodyPr>
+          <a:lstStyle/>
+          <a:p>
+            <a:pPr algn="l"/>
+            <a:r>
+              <a:rPr lang="en-US" altLang="zh-TW" sz="3600" dirty="0"/>
+              <a:t>Super Resolution </a:t>
+            </a:r>
+            <a:r>
+              <a:rPr lang="en-US" altLang="zh-TW" sz="2400" dirty="0"/>
+              <a:t> </a:t>
+            </a:r>
+          </a:p>
+          <a:p>
+            <a:pPr marL="342900" indent="-342900" algn="l">
+              <a:buFont typeface="Arial" panose="020B0604020202020204" pitchFamily="34" charset="0"/>
+              <a:buChar char="•"/>
+            </a:pPr>
+            <a:r>
+              <a:rPr lang="en-US" altLang="zh-TW" sz="2400" dirty="0"/>
+              <a:t>CPU inference:</a:t>
+            </a:r>
+            <a:r>
+              <a:rPr lang="zh-TW" altLang="en-US" sz="2400" dirty="0"/>
+              <a:t> </a:t>
+            </a:r>
+            <a:r>
+              <a:rPr lang="en-US" altLang="zh-TW" sz="2400" dirty="0"/>
+              <a:t>2356.12</a:t>
+            </a:r>
+          </a:p>
+          <a:p>
+            <a:pPr marL="342900" indent="-342900" algn="l">
+              <a:buFont typeface="Arial" panose="020B0604020202020204" pitchFamily="34" charset="0"/>
+              <a:buChar char="•"/>
+            </a:pPr>
+            <a:r>
+              <a:rPr lang="en-US" altLang="zh-TW" sz="2400" dirty="0"/>
+              <a:t>CPU PSNR: 33.6466</a:t>
+            </a:r>
+          </a:p>
+          <a:p>
+            <a:pPr marL="342900" indent="-342900" algn="l">
+              <a:buFont typeface="Arial" panose="020B0604020202020204" pitchFamily="34" charset="0"/>
+              <a:buChar char="•"/>
+            </a:pPr>
+            <a:r>
+              <a:rPr lang="en-US" altLang="zh-TW" sz="2400" dirty="0"/>
+              <a:t>GPU inference: 21.31</a:t>
+            </a:r>
+          </a:p>
+          <a:p>
+            <a:pPr marL="285750" indent="-285750" algn="l">
+              <a:buFont typeface="Arial" panose="020B0604020202020204" pitchFamily="34" charset="0"/>
+              <a:buChar char="•"/>
+            </a:pPr>
+            <a:r>
+              <a:rPr lang="en-US" altLang="zh-TW" sz="2400" dirty="0"/>
+              <a:t> GPU PSNR: 33.6466</a:t>
+            </a:r>
+          </a:p>
+          <a:p>
+            <a:pPr marL="285750" indent="-285750" algn="l">
+              <a:buFont typeface="Arial" panose="020B0604020202020204" pitchFamily="34" charset="0"/>
+              <a:buChar char="•"/>
+            </a:pPr>
+            <a:r>
+              <a:rPr lang="en-US" altLang="zh-TW" sz="2400" dirty="0"/>
+              <a:t>Number of weight: 229036</a:t>
+            </a:r>
+          </a:p>
+          <a:p>
+            <a:pPr marL="285750" indent="-285750" algn="l">
+              <a:buFont typeface="Arial" panose="020B0604020202020204" pitchFamily="34" charset="0"/>
+              <a:buChar char="•"/>
+            </a:pPr>
+            <a:r>
+              <a:rPr lang="en-US" altLang="zh-TW" sz="2400" dirty="0"/>
+              <a:t>Model size : 0.8737</a:t>
+            </a:r>
+          </a:p>
+          <a:p>
+            <a:pPr marL="285750" indent="-285750" algn="l">
+              <a:buFont typeface="Arial" panose="020B0604020202020204" pitchFamily="34" charset="0"/>
+              <a:buChar char="•"/>
+            </a:pPr>
+            <a:endParaRPr lang="en-US" altLang="zh-TW" sz="2400" dirty="0"/>
+          </a:p>
+          <a:p>
+            <a:pPr marL="285750" indent="-285750" algn="l">
+              <a:buFont typeface="Arial" panose="020B0604020202020204" pitchFamily="34" charset="0"/>
+              <a:buChar char="•"/>
+            </a:pPr>
+            <a:endParaRPr lang="en-US" altLang="zh-TW" dirty="0"/>
+          </a:p>
+        </p:txBody>
+      </p:sp>
+    </p:spTree>
+    <p:extLst>
+      <p:ext uri="{BB962C8B-B14F-4D97-AF65-F5344CB8AC3E}">
+        <p14:creationId xmlns:p14="http://schemas.microsoft.com/office/powerpoint/2010/main" val="3425160427"/>
+      </p:ext>
+    </p:extLst>
+  </p:cSld>
+  <p:clrMapOvr>
+    <a:masterClrMapping/>
+  </p:clrMapOvr>
+</p:sld>
+</file>
+
+<file path=ppt/slides/slide8.xml><?xml version="1.0" encoding="utf-8"?>
+<p:sld xmlns:a="http://schemas.openxmlformats.org/drawingml/2006/main" xmlns:r="http://schemas.openxmlformats.org/officeDocument/2006/relationships" xmlns:p="http://schemas.openxmlformats.org/presentationml/2006/main">
+  <p:cSld>
+    <p:spTree>
+      <p:nvGrpSpPr>
+        <p:cNvPr id="1" name=""/>
+        <p:cNvGrpSpPr/>
+        <p:nvPr/>
+      </p:nvGrpSpPr>
+      <p:grpSpPr>
+        <a:xfrm>
+          <a:off x="0" y="0"/>
+          <a:ext cx="0" cy="0"/>
+          <a:chOff x="0" y="0"/>
+          <a:chExt cx="0" cy="0"/>
+        </a:xfrm>
+      </p:grpSpPr>
+      <p:sp>
+        <p:nvSpPr>
+          <p:cNvPr id="3" name="副標題 2"/>
+          <p:cNvSpPr>
+            <a:spLocks noGrp="1"/>
+          </p:cNvSpPr>
+          <p:nvPr>
+            <p:ph type="subTitle" idx="1"/>
+          </p:nvPr>
+        </p:nvSpPr>
+        <p:spPr>
+          <a:xfrm>
+            <a:off x="809103" y="706581"/>
+            <a:ext cx="11015751" cy="5628905"/>
+          </a:xfrm>
+        </p:spPr>
+        <p:txBody>
+          <a:bodyPr>
+            <a:normAutofit/>
+          </a:bodyPr>
+          <a:lstStyle/>
+          <a:p>
+            <a:pPr algn="l"/>
+            <a:r>
+              <a:rPr lang="zh-TW" altLang="en-US" sz="2400" dirty="0"/>
+              <a:t>心得</a:t>
+            </a:r>
+            <a:r>
+              <a:rPr lang="en-US" altLang="zh-TW" sz="2400" dirty="0"/>
+              <a:t>:</a:t>
+            </a:r>
+          </a:p>
+          <a:p>
+            <a:pPr algn="l">
+              <a:lnSpc>
+                <a:spcPct val="150000"/>
+              </a:lnSpc>
+            </a:pPr>
+            <a:r>
+              <a:rPr lang="en-US" altLang="zh-TW" sz="2400" dirty="0"/>
+              <a:t>	</a:t>
+            </a:r>
+            <a:r>
+              <a:rPr lang="en-US" altLang="zh-TW" sz="2000" dirty="0"/>
+              <a:t>Super Resolution</a:t>
+            </a:r>
+            <a:r>
+              <a:rPr lang="zh-TW" altLang="en-US" sz="2000" dirty="0"/>
+              <a:t>在</a:t>
+            </a:r>
+            <a:r>
+              <a:rPr lang="en-US" altLang="zh-TW" sz="2000" dirty="0"/>
+              <a:t>model</a:t>
+            </a:r>
+            <a:r>
+              <a:rPr lang="zh-TW" altLang="en-US" sz="2000" dirty="0"/>
+              <a:t>選擇時使用</a:t>
+            </a:r>
+            <a:r>
+              <a:rPr lang="en-US" altLang="zh-TW" sz="2000" dirty="0"/>
+              <a:t>WDSR</a:t>
+            </a:r>
+            <a:r>
+              <a:rPr lang="zh-TW" altLang="en-US" sz="2000" dirty="0"/>
+              <a:t>，此</a:t>
+            </a:r>
+            <a:r>
+              <a:rPr lang="en-US" altLang="zh-TW" sz="2000" dirty="0"/>
+              <a:t>model</a:t>
+            </a:r>
+            <a:r>
+              <a:rPr lang="zh-TW" altLang="en-US" sz="2000" dirty="0"/>
+              <a:t>比</a:t>
+            </a:r>
+            <a:r>
+              <a:rPr lang="en-US" altLang="zh-TW" sz="2000" dirty="0"/>
+              <a:t>EDSR</a:t>
+            </a:r>
+            <a:r>
+              <a:rPr lang="zh-TW" altLang="en-US" sz="2000" dirty="0"/>
+              <a:t>和</a:t>
+            </a:r>
+            <a:r>
+              <a:rPr lang="en-US" altLang="zh-TW" sz="2000" dirty="0"/>
+              <a:t>MDSR</a:t>
+            </a:r>
+            <a:r>
+              <a:rPr lang="zh-TW" altLang="en-US" sz="2000" dirty="0"/>
+              <a:t>的</a:t>
+            </a:r>
+            <a:r>
+              <a:rPr lang="en-US" altLang="zh-TW" sz="2000" dirty="0"/>
+              <a:t>model</a:t>
+            </a:r>
+            <a:r>
+              <a:rPr lang="zh-TW" altLang="en-US" sz="2000" dirty="0"/>
+              <a:t> </a:t>
+            </a:r>
+            <a:r>
+              <a:rPr lang="en-US" altLang="zh-TW" sz="2000" dirty="0"/>
+              <a:t>size</a:t>
+            </a:r>
+            <a:r>
+              <a:rPr lang="zh-TW" altLang="en-US" sz="2000" dirty="0"/>
+              <a:t>小很多，他引用</a:t>
+            </a:r>
+            <a:r>
+              <a:rPr lang="en-US" altLang="zh-TW" sz="2000" dirty="0" err="1"/>
+              <a:t>MobileNet</a:t>
+            </a:r>
+            <a:r>
+              <a:rPr lang="zh-TW" altLang="en-US" sz="2000" dirty="0"/>
+              <a:t>的架構縮小模型的</a:t>
+            </a:r>
+            <a:r>
+              <a:rPr lang="en-US" altLang="zh-TW" sz="2000" dirty="0"/>
+              <a:t>size</a:t>
+            </a:r>
+            <a:r>
+              <a:rPr lang="zh-TW" altLang="en-US" sz="2000" dirty="0"/>
+              <a:t>。在</a:t>
+            </a:r>
+            <a:r>
+              <a:rPr lang="en-US" altLang="zh-TW" sz="2000" dirty="0"/>
+              <a:t>CPU</a:t>
+            </a:r>
+            <a:r>
+              <a:rPr lang="zh-TW" altLang="en-US" sz="2000" dirty="0"/>
+              <a:t> </a:t>
+            </a:r>
+            <a:r>
+              <a:rPr lang="en-US" altLang="zh-TW" sz="2000" dirty="0"/>
+              <a:t>inference</a:t>
+            </a:r>
+            <a:r>
+              <a:rPr lang="zh-TW" altLang="en-US" sz="2000" dirty="0"/>
+              <a:t>原本打算使用</a:t>
+            </a:r>
+            <a:r>
+              <a:rPr lang="en-US" altLang="zh-TW" sz="2000" dirty="0" err="1"/>
+              <a:t>ngraph</a:t>
+            </a:r>
+            <a:r>
+              <a:rPr lang="zh-TW" altLang="en-US" sz="2000" dirty="0"/>
+              <a:t>，但在轉</a:t>
+            </a:r>
+            <a:r>
+              <a:rPr lang="en-US" altLang="zh-TW" sz="2000" dirty="0" err="1"/>
+              <a:t>onnx</a:t>
+            </a:r>
+            <a:r>
+              <a:rPr lang="zh-TW" altLang="en-US" sz="2000" dirty="0"/>
+              <a:t>時遇到圖片大小不一的問題</a:t>
+            </a:r>
+            <a:r>
+              <a:rPr lang="en-US" altLang="zh-TW" sz="2000" dirty="0"/>
+              <a:t>(</a:t>
+            </a:r>
+            <a:r>
+              <a:rPr lang="zh-TW" altLang="en-US" sz="2000" dirty="0"/>
+              <a:t> </a:t>
+            </a:r>
+            <a:r>
+              <a:rPr lang="en-US" altLang="zh-TW" sz="2000" dirty="0"/>
+              <a:t>Dynamic dummy input</a:t>
+            </a:r>
+            <a:r>
+              <a:rPr lang="zh-TW" altLang="en-US" sz="2000" dirty="0"/>
+              <a:t> </a:t>
+            </a:r>
+            <a:r>
+              <a:rPr lang="en-US" altLang="zh-TW" sz="2000" dirty="0"/>
+              <a:t>)</a:t>
+            </a:r>
+            <a:r>
+              <a:rPr lang="zh-TW" altLang="en-US" sz="2000" dirty="0"/>
+              <a:t>，所以最後放棄。</a:t>
+            </a:r>
+            <a:endParaRPr lang="en-US" altLang="zh-TW" sz="2000" dirty="0"/>
+          </a:p>
+          <a:p>
+            <a:pPr algn="l">
+              <a:lnSpc>
+                <a:spcPct val="150000"/>
+              </a:lnSpc>
+            </a:pPr>
+            <a:r>
+              <a:rPr lang="en-US" altLang="zh-TW" sz="2000" dirty="0"/>
+              <a:t>	</a:t>
+            </a:r>
+            <a:r>
+              <a:rPr lang="zh-TW" altLang="en-US" sz="2000" dirty="0"/>
+              <a:t>在這實驗最大的問題是</a:t>
+            </a:r>
+            <a:r>
+              <a:rPr lang="en-US" altLang="zh-TW" sz="2000" dirty="0"/>
+              <a:t>OOM(Out Of Memory)</a:t>
+            </a:r>
+            <a:r>
+              <a:rPr lang="zh-TW" altLang="en-US" sz="2000" dirty="0"/>
+              <a:t>，國網無法負荷</a:t>
+            </a:r>
+            <a:r>
+              <a:rPr lang="en-US" altLang="zh-TW" sz="2000" dirty="0"/>
+              <a:t>super </a:t>
+            </a:r>
+            <a:r>
+              <a:rPr lang="en-US" altLang="zh-TW" sz="2000" dirty="0" err="1"/>
+              <a:t>resolutio</a:t>
+            </a:r>
+            <a:r>
+              <a:rPr lang="zh-TW" altLang="en-US" sz="2000" dirty="0"/>
+              <a:t>的</a:t>
+            </a:r>
+            <a:r>
+              <a:rPr lang="en-US" altLang="zh-TW" sz="2000" dirty="0"/>
+              <a:t>memory</a:t>
+            </a:r>
+            <a:r>
+              <a:rPr lang="zh-TW" altLang="en-US" sz="2000" dirty="0"/>
+              <a:t>負擔，解決辦法是將</a:t>
+            </a:r>
+            <a:r>
+              <a:rPr lang="en-US" altLang="zh-TW" sz="2000" dirty="0"/>
+              <a:t>patch</a:t>
+            </a:r>
+            <a:r>
+              <a:rPr lang="zh-TW" altLang="en-US" sz="2000" dirty="0"/>
+              <a:t> </a:t>
+            </a:r>
+            <a:r>
+              <a:rPr lang="en-US" altLang="zh-TW" sz="2000" dirty="0"/>
+              <a:t>size</a:t>
+            </a:r>
+            <a:r>
+              <a:rPr lang="zh-TW" altLang="en-US" sz="2000" dirty="0"/>
+              <a:t>調小，這樣可以減少國網清空的機率。</a:t>
+            </a:r>
+            <a:endParaRPr lang="en-US" altLang="zh-TW" sz="2400" dirty="0"/>
+          </a:p>
+        </p:txBody>
+      </p:sp>
+    </p:spTree>
+    <p:extLst>
+      <p:ext uri="{BB962C8B-B14F-4D97-AF65-F5344CB8AC3E}">
+        <p14:creationId xmlns:p14="http://schemas.microsoft.com/office/powerpoint/2010/main" val="1578932320"/>
+      </p:ext>
+    </p:extLst>
+  </p:cSld>
+  <p:clrMapOvr>
+    <a:masterClrMapping/>
+  </p:clrMapOvr>
+</p:sld>
+</file>
+
+<file path=ppt/slides/slide9.xml><?xml version="1.0" encoding="utf-8"?>
+<p:sld xmlns:a="http://schemas.openxmlformats.org/drawingml/2006/main" xmlns:r="http://schemas.openxmlformats.org/officeDocument/2006/relationships" xmlns:p="http://schemas.openxmlformats.org/presentationml/2006/main">
+  <p:cSld>
+    <p:spTree>
+      <p:nvGrpSpPr>
+        <p:cNvPr id="1" name=""/>
+        <p:cNvGrpSpPr/>
+        <p:nvPr/>
+      </p:nvGrpSpPr>
+      <p:grpSpPr>
+        <a:xfrm>
+          <a:off x="0" y="0"/>
+          <a:ext cx="0" cy="0"/>
+          <a:chOff x="0" y="0"/>
+          <a:chExt cx="0" cy="0"/>
+        </a:xfrm>
+      </p:grpSpPr>
+      <p:sp>
+        <p:nvSpPr>
+          <p:cNvPr id="3" name="副標題 2"/>
+          <p:cNvSpPr>
+            <a:spLocks noGrp="1"/>
+          </p:cNvSpPr>
+          <p:nvPr>
+            <p:ph type="subTitle" idx="1"/>
+          </p:nvPr>
+        </p:nvSpPr>
+        <p:spPr>
+          <a:xfrm>
+            <a:off x="809104" y="706581"/>
+            <a:ext cx="9144000" cy="4580313"/>
+          </a:xfrm>
+        </p:spPr>
+        <p:txBody>
+          <a:bodyPr>
+            <a:normAutofit fontScale="92500" lnSpcReduction="10000"/>
+          </a:bodyPr>
+          <a:lstStyle/>
+          <a:p>
+            <a:pPr algn="l"/>
+            <a:r>
+              <a:rPr lang="en-US" altLang="zh-TW" sz="3600" dirty="0"/>
+              <a:t>Object </a:t>
+            </a:r>
+            <a:r>
+              <a:rPr lang="en-US" altLang="zh-TW" sz="3600" dirty="0" err="1"/>
+              <a:t>Dection</a:t>
+            </a:r>
+            <a:endParaRPr lang="en-US" altLang="zh-TW" sz="3600" dirty="0"/>
+          </a:p>
+          <a:p>
+            <a:pPr marL="285750" indent="-285750" algn="l">
+              <a:buFont typeface="Arial" panose="020B0604020202020204" pitchFamily="34" charset="0"/>
+              <a:buChar char="•"/>
+            </a:pPr>
+            <a:r>
+              <a:rPr lang="en-US" altLang="zh-TW" sz="2400" dirty="0"/>
+              <a:t> Dataset: clothes 2000 pieces</a:t>
+            </a:r>
+          </a:p>
+          <a:p>
+            <a:pPr marL="285750" indent="-285750" algn="l">
+              <a:buFont typeface="Arial" panose="020B0604020202020204" pitchFamily="34" charset="0"/>
+              <a:buChar char="•"/>
+            </a:pPr>
+            <a:r>
+              <a:rPr lang="en-US" altLang="zh-TW" sz="2400" dirty="0"/>
+              <a:t> Model:tiny-yolo-v3</a:t>
+            </a:r>
+          </a:p>
+          <a:p>
+            <a:pPr marL="285750" lvl="0" indent="-285750" algn="l">
+              <a:buFont typeface="Arial" panose="020B0604020202020204" pitchFamily="34" charset="0"/>
+              <a:buChar char="•"/>
+            </a:pPr>
+            <a:r>
+              <a:rPr lang="en-US" altLang="zh-TW" sz="2400" dirty="0"/>
+              <a:t>CPU f-score: </a:t>
+            </a:r>
+            <a:r>
+              <a:rPr lang="zh-TW" altLang="zh-TW" sz="2400" dirty="0">
+                <a:solidFill>
+                  <a:srgbClr val="000000"/>
+                </a:solidFill>
+                <a:latin typeface="Arial Unicode MS" panose="020B0604020202020204" pitchFamily="34" charset="-120"/>
+              </a:rPr>
+              <a:t>0.4892511825659466</a:t>
+            </a:r>
+            <a:endParaRPr lang="en-US" altLang="zh-TW" sz="2400" dirty="0">
+              <a:solidFill>
+                <a:schemeClr val="tx1"/>
+              </a:solidFill>
+            </a:endParaRPr>
+          </a:p>
+          <a:p>
+            <a:pPr marL="285750" lvl="0" indent="-285750" algn="l">
+              <a:buFont typeface="Arial" panose="020B0604020202020204" pitchFamily="34" charset="0"/>
+              <a:buChar char="•"/>
+            </a:pPr>
+            <a:r>
+              <a:rPr lang="en-US" altLang="zh-TW" sz="2400" dirty="0"/>
+              <a:t>GPU f-score:  </a:t>
+            </a:r>
+            <a:r>
+              <a:rPr lang="zh-TW" altLang="zh-TW" sz="2400" dirty="0">
+                <a:solidFill>
+                  <a:srgbClr val="000000"/>
+                </a:solidFill>
+                <a:latin typeface="Arial Unicode MS" panose="020B0604020202020204" pitchFamily="34" charset="-120"/>
+              </a:rPr>
+              <a:t>0.4892511825659466</a:t>
+            </a:r>
+            <a:r>
+              <a:rPr lang="zh-TW" altLang="zh-TW" sz="2400" dirty="0">
+                <a:solidFill>
+                  <a:schemeClr val="tx1"/>
+                </a:solidFill>
+              </a:rPr>
+              <a:t> </a:t>
+            </a:r>
+            <a:endParaRPr lang="zh-TW" altLang="zh-TW" sz="4800" dirty="0">
+              <a:solidFill>
+                <a:schemeClr val="tx1"/>
+              </a:solidFill>
+              <a:latin typeface="Arial" panose="020B0604020202020204" pitchFamily="34" charset="0"/>
+            </a:endParaRPr>
+          </a:p>
+          <a:p>
+            <a:pPr marL="285750" lvl="0" indent="-285750" algn="l">
+              <a:buFont typeface="Arial" panose="020B0604020202020204" pitchFamily="34" charset="0"/>
+              <a:buChar char="•"/>
+            </a:pPr>
+            <a:r>
+              <a:rPr lang="en-US" altLang="zh-TW" sz="2400" dirty="0"/>
+              <a:t>CPU inference time : </a:t>
+            </a:r>
+            <a:r>
+              <a:rPr lang="zh-TW" altLang="zh-TW" sz="2400" dirty="0">
+                <a:solidFill>
+                  <a:srgbClr val="000000"/>
+                </a:solidFill>
+                <a:latin typeface="Arial Unicode MS" panose="020B0604020202020204" pitchFamily="34" charset="-120"/>
+              </a:rPr>
+              <a:t>27.218275785446167</a:t>
+            </a:r>
+            <a:r>
+              <a:rPr lang="zh-TW" altLang="zh-TW" sz="2400" dirty="0">
+                <a:solidFill>
+                  <a:schemeClr val="tx1"/>
+                </a:solidFill>
+              </a:rPr>
+              <a:t> </a:t>
+            </a:r>
+            <a:endParaRPr lang="en-US" altLang="zh-TW" sz="2400" dirty="0"/>
+          </a:p>
+          <a:p>
+            <a:pPr marL="285750" lvl="0" indent="-285750" algn="l">
+              <a:buFont typeface="Arial" panose="020B0604020202020204" pitchFamily="34" charset="0"/>
+              <a:buChar char="•"/>
+            </a:pPr>
+            <a:r>
+              <a:rPr lang="en-US" altLang="zh-TW" sz="2400" dirty="0"/>
+              <a:t>GPU inference time: </a:t>
+            </a:r>
+            <a:r>
+              <a:rPr lang="zh-TW" altLang="zh-TW" sz="2400" dirty="0">
+                <a:solidFill>
+                  <a:srgbClr val="000000"/>
+                </a:solidFill>
+                <a:latin typeface="Arial Unicode MS" panose="020B0604020202020204" pitchFamily="34" charset="-120"/>
+              </a:rPr>
+              <a:t>2.3918251991271973</a:t>
+            </a:r>
+            <a:r>
+              <a:rPr lang="zh-TW" altLang="zh-TW" sz="2400" dirty="0">
+                <a:solidFill>
+                  <a:schemeClr val="tx1"/>
+                </a:solidFill>
+              </a:rPr>
+              <a:t> </a:t>
+            </a:r>
+            <a:endParaRPr lang="en-US" altLang="zh-TW" sz="2400" dirty="0"/>
+          </a:p>
+          <a:p>
+            <a:pPr marL="285750" lvl="0" indent="-285750" algn="l">
+              <a:buFont typeface="Arial" panose="020B0604020202020204" pitchFamily="34" charset="0"/>
+              <a:buChar char="•"/>
+            </a:pPr>
+            <a:r>
+              <a:rPr lang="en-US" altLang="zh-TW" sz="2400" dirty="0"/>
+              <a:t>Number of weight: </a:t>
+            </a:r>
+            <a:r>
+              <a:rPr lang="zh-TW" altLang="zh-TW" sz="2400" dirty="0">
+                <a:solidFill>
+                  <a:srgbClr val="000000"/>
+                </a:solidFill>
+                <a:latin typeface="Arial Unicode MS" panose="020B0604020202020204" pitchFamily="34" charset="-120"/>
+              </a:rPr>
+              <a:t>8692425.0</a:t>
+            </a:r>
+            <a:r>
+              <a:rPr lang="zh-TW" altLang="zh-TW" sz="2400" dirty="0">
+                <a:solidFill>
+                  <a:schemeClr val="tx1"/>
+                </a:solidFill>
+              </a:rPr>
+              <a:t> </a:t>
+            </a:r>
+            <a:endParaRPr lang="en-US" altLang="zh-TW" sz="2400" dirty="0"/>
+          </a:p>
+          <a:p>
+            <a:pPr marL="285750" lvl="0" indent="-285750" algn="l">
+              <a:buFont typeface="Arial" panose="020B0604020202020204" pitchFamily="34" charset="0"/>
+              <a:buChar char="•"/>
+            </a:pPr>
+            <a:r>
+              <a:rPr lang="en-US" altLang="zh-TW" sz="2400" dirty="0"/>
+              <a:t>Model size = </a:t>
+            </a:r>
+            <a:r>
+              <a:rPr lang="zh-TW" altLang="zh-TW" sz="2400" dirty="0">
+                <a:solidFill>
+                  <a:srgbClr val="000000"/>
+                </a:solidFill>
+                <a:latin typeface="Arial Unicode MS" panose="020B0604020202020204" pitchFamily="34" charset="-120"/>
+              </a:rPr>
+              <a:t>33.15896987915039</a:t>
+            </a:r>
+            <a:r>
+              <a:rPr lang="zh-TW" altLang="zh-TW" sz="2400" dirty="0">
+                <a:solidFill>
+                  <a:schemeClr val="tx1"/>
+                </a:solidFill>
+              </a:rPr>
+              <a:t> </a:t>
+            </a:r>
+            <a:endParaRPr lang="en-US" altLang="zh-TW" sz="2400" dirty="0"/>
+          </a:p>
+          <a:p>
+            <a:pPr marL="285750" indent="-285750" algn="l">
+              <a:buFont typeface="Arial" panose="020B0604020202020204" pitchFamily="34" charset="0"/>
+              <a:buChar char="•"/>
+            </a:pPr>
+            <a:r>
+              <a:rPr lang="en-US" altLang="zh-TW" sz="2400" dirty="0"/>
+              <a:t> </a:t>
+            </a:r>
+          </a:p>
+        </p:txBody>
+      </p:sp>
+    </p:spTree>
+    <p:extLst>
+      <p:ext uri="{BB962C8B-B14F-4D97-AF65-F5344CB8AC3E}">
+        <p14:creationId xmlns:p14="http://schemas.microsoft.com/office/powerpoint/2010/main" val="3565811002"/>
       </p:ext>
     </p:extLst>
   </p:cSld>
